--- a/GRID_STEYM.pptx
+++ b/GRID_STEYM.pptx
@@ -5,17 +5,22 @@
     <p:sldMasterId id="2147483658" r:id="rId4"/>
   </p:sldMasterIdLst>
   <p:notesMasterIdLst>
-    <p:notesMasterId r:id="rId10"/>
+    <p:notesMasterId r:id="rId15"/>
   </p:notesMasterIdLst>
   <p:handoutMasterIdLst>
-    <p:handoutMasterId r:id="rId11"/>
+    <p:handoutMasterId r:id="rId16"/>
   </p:handoutMasterIdLst>
   <p:sldIdLst>
     <p:sldId id="410" r:id="rId5"/>
     <p:sldId id="415" r:id="rId6"/>
     <p:sldId id="413" r:id="rId7"/>
-    <p:sldId id="414" r:id="rId8"/>
-    <p:sldId id="398" r:id="rId9"/>
+    <p:sldId id="420" r:id="rId8"/>
+    <p:sldId id="419" r:id="rId9"/>
+    <p:sldId id="414" r:id="rId10"/>
+    <p:sldId id="418" r:id="rId11"/>
+    <p:sldId id="416" r:id="rId12"/>
+    <p:sldId id="417" r:id="rId13"/>
+    <p:sldId id="398" r:id="rId14"/>
   </p:sldIdLst>
   <p:sldSz cx="12192000" cy="6858000"/>
   <p:notesSz cx="6858000" cy="9144000"/>
@@ -194,7 +199,7 @@
           <a:p>
             <a:fld id="{1EBEDD12-BCD5-485B-BCBC-34BB01D7923C}" type="datetimeFigureOut">
               <a:rPr lang="en-US" smtClean="0"/>
-              <a:t>8/29/2025</a:t>
+              <a:t>8/30/2025</a:t>
             </a:fld>
             <a:endParaRPr lang="en-US" dirty="0"/>
           </a:p>
@@ -408,7 +413,7 @@
           <a:p>
             <a:fld id="{6EE7A52F-9D89-7442-A8E9-48D1527B5F6B}" type="datetimeFigureOut">
               <a:rPr lang="en-US" smtClean="0"/>
-              <a:t>8/29/2025</a:t>
+              <a:t>8/30/2025</a:t>
             </a:fld>
             <a:endParaRPr lang="en-US" dirty="0"/>
           </a:p>
@@ -759,331 +764,7 @@
 </p:notes>
 </file>
 
-<file path=ppt/notesSlides/notesSlide2.xml><?xml version="1.0" encoding="utf-8"?>
-<p:notes xmlns:a="http://schemas.openxmlformats.org/drawingml/2006/main" xmlns:r="http://schemas.openxmlformats.org/officeDocument/2006/relationships" xmlns:p="http://schemas.openxmlformats.org/presentationml/2006/main">
-  <p:cSld>
-    <p:spTree>
-      <p:nvGrpSpPr>
-        <p:cNvPr id="1" name="">
-          <a:extLst>
-            <a:ext uri="{FF2B5EF4-FFF2-40B4-BE49-F238E27FC236}">
-              <a16:creationId xmlns:a16="http://schemas.microsoft.com/office/drawing/2014/main" id="{0BEC46D9-1F08-1B19-5B03-CD6228DD7A16}"/>
-            </a:ext>
-          </a:extLst>
-        </p:cNvPr>
-        <p:cNvGrpSpPr/>
-        <p:nvPr/>
-      </p:nvGrpSpPr>
-      <p:grpSpPr>
-        <a:xfrm>
-          <a:off x="0" y="0"/>
-          <a:ext cx="0" cy="0"/>
-          <a:chOff x="0" y="0"/>
-          <a:chExt cx="0" cy="0"/>
-        </a:xfrm>
-      </p:grpSpPr>
-      <p:sp>
-        <p:nvSpPr>
-          <p:cNvPr id="2" name="Slide Image Placeholder 1">
-            <a:extLst>
-              <a:ext uri="{FF2B5EF4-FFF2-40B4-BE49-F238E27FC236}">
-                <a16:creationId xmlns:a16="http://schemas.microsoft.com/office/drawing/2014/main" id="{C03A78CD-1AE8-730E-5D4F-C898AA55BDE6}"/>
-              </a:ext>
-            </a:extLst>
-          </p:cNvPr>
-          <p:cNvSpPr>
-            <a:spLocks noGrp="1" noRot="1" noChangeAspect="1"/>
-          </p:cNvSpPr>
-          <p:nvPr>
-            <p:ph type="sldImg"/>
-          </p:nvPr>
-        </p:nvSpPr>
-        <p:spPr/>
-      </p:sp>
-      <p:sp>
-        <p:nvSpPr>
-          <p:cNvPr id="3" name="Notes Placeholder 2">
-            <a:extLst>
-              <a:ext uri="{FF2B5EF4-FFF2-40B4-BE49-F238E27FC236}">
-                <a16:creationId xmlns:a16="http://schemas.microsoft.com/office/drawing/2014/main" id="{1F6E27EB-DBCB-1981-CEDC-6714C271DA73}"/>
-              </a:ext>
-            </a:extLst>
-          </p:cNvPr>
-          <p:cNvSpPr>
-            <a:spLocks noGrp="1"/>
-          </p:cNvSpPr>
-          <p:nvPr>
-            <p:ph type="body" idx="1"/>
-          </p:nvPr>
-        </p:nvSpPr>
-        <p:spPr/>
-        <p:txBody>
-          <a:bodyPr/>
-          <a:lstStyle/>
-          <a:p>
-            <a:endParaRPr lang="en-US" dirty="0"/>
-          </a:p>
-        </p:txBody>
-      </p:sp>
-      <p:sp>
-        <p:nvSpPr>
-          <p:cNvPr id="4" name="Slide Number Placeholder 3">
-            <a:extLst>
-              <a:ext uri="{FF2B5EF4-FFF2-40B4-BE49-F238E27FC236}">
-                <a16:creationId xmlns:a16="http://schemas.microsoft.com/office/drawing/2014/main" id="{B5785430-EE80-F3C8-7C00-EA5D15ED31AB}"/>
-              </a:ext>
-            </a:extLst>
-          </p:cNvPr>
-          <p:cNvSpPr>
-            <a:spLocks noGrp="1"/>
-          </p:cNvSpPr>
-          <p:nvPr>
-            <p:ph type="sldNum" sz="quarter" idx="5"/>
-          </p:nvPr>
-        </p:nvSpPr>
-        <p:spPr/>
-        <p:txBody>
-          <a:bodyPr/>
-          <a:lstStyle/>
-          <a:p>
-            <a:fld id="{A89C7E07-3C67-C64C-8DA0-0404F6303970}" type="slidenum">
-              <a:rPr lang="en-US" smtClean="0"/>
-              <a:t>2</a:t>
-            </a:fld>
-            <a:endParaRPr lang="en-US" dirty="0"/>
-          </a:p>
-        </p:txBody>
-      </p:sp>
-    </p:spTree>
-    <p:extLst>
-      <p:ext uri="{BB962C8B-B14F-4D97-AF65-F5344CB8AC3E}">
-        <p14:creationId xmlns:p14="http://schemas.microsoft.com/office/powerpoint/2010/main" val="1407758728"/>
-      </p:ext>
-    </p:extLst>
-  </p:cSld>
-  <p:clrMapOvr>
-    <a:masterClrMapping/>
-  </p:clrMapOvr>
-</p:notes>
-</file>
-
-<file path=ppt/notesSlides/notesSlide3.xml><?xml version="1.0" encoding="utf-8"?>
-<p:notes xmlns:a="http://schemas.openxmlformats.org/drawingml/2006/main" xmlns:r="http://schemas.openxmlformats.org/officeDocument/2006/relationships" xmlns:p="http://schemas.openxmlformats.org/presentationml/2006/main">
-  <p:cSld>
-    <p:spTree>
-      <p:nvGrpSpPr>
-        <p:cNvPr id="1" name="">
-          <a:extLst>
-            <a:ext uri="{FF2B5EF4-FFF2-40B4-BE49-F238E27FC236}">
-              <a16:creationId xmlns:a16="http://schemas.microsoft.com/office/drawing/2014/main" id="{AD6873FD-A8C3-4B1F-F3AF-9A63AEB10D18}"/>
-            </a:ext>
-          </a:extLst>
-        </p:cNvPr>
-        <p:cNvGrpSpPr/>
-        <p:nvPr/>
-      </p:nvGrpSpPr>
-      <p:grpSpPr>
-        <a:xfrm>
-          <a:off x="0" y="0"/>
-          <a:ext cx="0" cy="0"/>
-          <a:chOff x="0" y="0"/>
-          <a:chExt cx="0" cy="0"/>
-        </a:xfrm>
-      </p:grpSpPr>
-      <p:sp>
-        <p:nvSpPr>
-          <p:cNvPr id="2" name="Slide Image Placeholder 1">
-            <a:extLst>
-              <a:ext uri="{FF2B5EF4-FFF2-40B4-BE49-F238E27FC236}">
-                <a16:creationId xmlns:a16="http://schemas.microsoft.com/office/drawing/2014/main" id="{8D4F10BC-1AC4-0930-1153-811F6866C39C}"/>
-              </a:ext>
-            </a:extLst>
-          </p:cNvPr>
-          <p:cNvSpPr>
-            <a:spLocks noGrp="1" noRot="1" noChangeAspect="1"/>
-          </p:cNvSpPr>
-          <p:nvPr>
-            <p:ph type="sldImg"/>
-          </p:nvPr>
-        </p:nvSpPr>
-        <p:spPr/>
-      </p:sp>
-      <p:sp>
-        <p:nvSpPr>
-          <p:cNvPr id="3" name="Notes Placeholder 2">
-            <a:extLst>
-              <a:ext uri="{FF2B5EF4-FFF2-40B4-BE49-F238E27FC236}">
-                <a16:creationId xmlns:a16="http://schemas.microsoft.com/office/drawing/2014/main" id="{8ACC7740-E94C-D36A-E90B-9F91EA49870C}"/>
-              </a:ext>
-            </a:extLst>
-          </p:cNvPr>
-          <p:cNvSpPr>
-            <a:spLocks noGrp="1"/>
-          </p:cNvSpPr>
-          <p:nvPr>
-            <p:ph type="body" idx="1"/>
-          </p:nvPr>
-        </p:nvSpPr>
-        <p:spPr/>
-        <p:txBody>
-          <a:bodyPr/>
-          <a:lstStyle/>
-          <a:p>
-            <a:endParaRPr lang="en-US" dirty="0"/>
-          </a:p>
-        </p:txBody>
-      </p:sp>
-      <p:sp>
-        <p:nvSpPr>
-          <p:cNvPr id="4" name="Slide Number Placeholder 3">
-            <a:extLst>
-              <a:ext uri="{FF2B5EF4-FFF2-40B4-BE49-F238E27FC236}">
-                <a16:creationId xmlns:a16="http://schemas.microsoft.com/office/drawing/2014/main" id="{A8978928-C0FA-AA27-7B82-B76601A092DD}"/>
-              </a:ext>
-            </a:extLst>
-          </p:cNvPr>
-          <p:cNvSpPr>
-            <a:spLocks noGrp="1"/>
-          </p:cNvSpPr>
-          <p:nvPr>
-            <p:ph type="sldNum" sz="quarter" idx="5"/>
-          </p:nvPr>
-        </p:nvSpPr>
-        <p:spPr/>
-        <p:txBody>
-          <a:bodyPr/>
-          <a:lstStyle/>
-          <a:p>
-            <a:fld id="{A89C7E07-3C67-C64C-8DA0-0404F6303970}" type="slidenum">
-              <a:rPr lang="en-US" smtClean="0"/>
-              <a:t>3</a:t>
-            </a:fld>
-            <a:endParaRPr lang="en-US" dirty="0"/>
-          </a:p>
-        </p:txBody>
-      </p:sp>
-    </p:spTree>
-    <p:extLst>
-      <p:ext uri="{BB962C8B-B14F-4D97-AF65-F5344CB8AC3E}">
-        <p14:creationId xmlns:p14="http://schemas.microsoft.com/office/powerpoint/2010/main" val="302833156"/>
-      </p:ext>
-    </p:extLst>
-  </p:cSld>
-  <p:clrMapOvr>
-    <a:masterClrMapping/>
-  </p:clrMapOvr>
-</p:notes>
-</file>
-
-<file path=ppt/notesSlides/notesSlide4.xml><?xml version="1.0" encoding="utf-8"?>
-<p:notes xmlns:a="http://schemas.openxmlformats.org/drawingml/2006/main" xmlns:r="http://schemas.openxmlformats.org/officeDocument/2006/relationships" xmlns:p="http://schemas.openxmlformats.org/presentationml/2006/main">
-  <p:cSld>
-    <p:spTree>
-      <p:nvGrpSpPr>
-        <p:cNvPr id="1" name="">
-          <a:extLst>
-            <a:ext uri="{FF2B5EF4-FFF2-40B4-BE49-F238E27FC236}">
-              <a16:creationId xmlns:a16="http://schemas.microsoft.com/office/drawing/2014/main" id="{6693F325-0373-7BB9-E2E2-7E5D88229EE3}"/>
-            </a:ext>
-          </a:extLst>
-        </p:cNvPr>
-        <p:cNvGrpSpPr/>
-        <p:nvPr/>
-      </p:nvGrpSpPr>
-      <p:grpSpPr>
-        <a:xfrm>
-          <a:off x="0" y="0"/>
-          <a:ext cx="0" cy="0"/>
-          <a:chOff x="0" y="0"/>
-          <a:chExt cx="0" cy="0"/>
-        </a:xfrm>
-      </p:grpSpPr>
-      <p:sp>
-        <p:nvSpPr>
-          <p:cNvPr id="2" name="Slide Image Placeholder 1">
-            <a:extLst>
-              <a:ext uri="{FF2B5EF4-FFF2-40B4-BE49-F238E27FC236}">
-                <a16:creationId xmlns:a16="http://schemas.microsoft.com/office/drawing/2014/main" id="{CFF5572C-0754-56D2-8E7C-95BBE42DEAF2}"/>
-              </a:ext>
-            </a:extLst>
-          </p:cNvPr>
-          <p:cNvSpPr>
-            <a:spLocks noGrp="1" noRot="1" noChangeAspect="1"/>
-          </p:cNvSpPr>
-          <p:nvPr>
-            <p:ph type="sldImg"/>
-          </p:nvPr>
-        </p:nvSpPr>
-        <p:spPr/>
-      </p:sp>
-      <p:sp>
-        <p:nvSpPr>
-          <p:cNvPr id="3" name="Notes Placeholder 2">
-            <a:extLst>
-              <a:ext uri="{FF2B5EF4-FFF2-40B4-BE49-F238E27FC236}">
-                <a16:creationId xmlns:a16="http://schemas.microsoft.com/office/drawing/2014/main" id="{1AD3E861-B3CD-648B-A7A8-FC4276AAA56A}"/>
-              </a:ext>
-            </a:extLst>
-          </p:cNvPr>
-          <p:cNvSpPr>
-            <a:spLocks noGrp="1"/>
-          </p:cNvSpPr>
-          <p:nvPr>
-            <p:ph type="body" idx="1"/>
-          </p:nvPr>
-        </p:nvSpPr>
-        <p:spPr/>
-        <p:txBody>
-          <a:bodyPr/>
-          <a:lstStyle/>
-          <a:p>
-            <a:endParaRPr lang="en-US" dirty="0"/>
-          </a:p>
-        </p:txBody>
-      </p:sp>
-      <p:sp>
-        <p:nvSpPr>
-          <p:cNvPr id="4" name="Slide Number Placeholder 3">
-            <a:extLst>
-              <a:ext uri="{FF2B5EF4-FFF2-40B4-BE49-F238E27FC236}">
-                <a16:creationId xmlns:a16="http://schemas.microsoft.com/office/drawing/2014/main" id="{26959612-5B20-B8C4-DF64-76647AD16ED9}"/>
-              </a:ext>
-            </a:extLst>
-          </p:cNvPr>
-          <p:cNvSpPr>
-            <a:spLocks noGrp="1"/>
-          </p:cNvSpPr>
-          <p:nvPr>
-            <p:ph type="sldNum" sz="quarter" idx="5"/>
-          </p:nvPr>
-        </p:nvSpPr>
-        <p:spPr/>
-        <p:txBody>
-          <a:bodyPr/>
-          <a:lstStyle/>
-          <a:p>
-            <a:fld id="{A89C7E07-3C67-C64C-8DA0-0404F6303970}" type="slidenum">
-              <a:rPr lang="en-US" smtClean="0"/>
-              <a:t>4</a:t>
-            </a:fld>
-            <a:endParaRPr lang="en-US" dirty="0"/>
-          </a:p>
-        </p:txBody>
-      </p:sp>
-    </p:spTree>
-    <p:extLst>
-      <p:ext uri="{BB962C8B-B14F-4D97-AF65-F5344CB8AC3E}">
-        <p14:creationId xmlns:p14="http://schemas.microsoft.com/office/powerpoint/2010/main" val="935918253"/>
-      </p:ext>
-    </p:extLst>
-  </p:cSld>
-  <p:clrMapOvr>
-    <a:masterClrMapping/>
-  </p:clrMapOvr>
-</p:notes>
-</file>
-
-<file path=ppt/notesSlides/notesSlide5.xml><?xml version="1.0" encoding="utf-8"?>
+<file path=ppt/notesSlides/notesSlide10.xml><?xml version="1.0" encoding="utf-8"?>
 <p:notes xmlns:a="http://schemas.openxmlformats.org/drawingml/2006/main" xmlns:r="http://schemas.openxmlformats.org/officeDocument/2006/relationships" xmlns:p="http://schemas.openxmlformats.org/presentationml/2006/main">
   <p:cSld>
     <p:spTree>
@@ -1148,7 +829,7 @@
           <a:p>
             <a:fld id="{A89C7E07-3C67-C64C-8DA0-0404F6303970}" type="slidenum">
               <a:rPr lang="en-US" smtClean="0"/>
-              <a:t>5</a:t>
+              <a:t>10</a:t>
             </a:fld>
             <a:endParaRPr lang="en-US" dirty="0"/>
           </a:p>
@@ -1158,6 +839,870 @@
     <p:extLst>
       <p:ext uri="{BB962C8B-B14F-4D97-AF65-F5344CB8AC3E}">
         <p14:creationId xmlns:p14="http://schemas.microsoft.com/office/powerpoint/2010/main" val="1765923172"/>
+      </p:ext>
+    </p:extLst>
+  </p:cSld>
+  <p:clrMapOvr>
+    <a:masterClrMapping/>
+  </p:clrMapOvr>
+</p:notes>
+</file>
+
+<file path=ppt/notesSlides/notesSlide2.xml><?xml version="1.0" encoding="utf-8"?>
+<p:notes xmlns:a="http://schemas.openxmlformats.org/drawingml/2006/main" xmlns:r="http://schemas.openxmlformats.org/officeDocument/2006/relationships" xmlns:p="http://schemas.openxmlformats.org/presentationml/2006/main">
+  <p:cSld>
+    <p:spTree>
+      <p:nvGrpSpPr>
+        <p:cNvPr id="1" name="">
+          <a:extLst>
+            <a:ext uri="{FF2B5EF4-FFF2-40B4-BE49-F238E27FC236}">
+              <a16:creationId xmlns:a16="http://schemas.microsoft.com/office/drawing/2014/main" id="{0BEC46D9-1F08-1B19-5B03-CD6228DD7A16}"/>
+            </a:ext>
+          </a:extLst>
+        </p:cNvPr>
+        <p:cNvGrpSpPr/>
+        <p:nvPr/>
+      </p:nvGrpSpPr>
+      <p:grpSpPr>
+        <a:xfrm>
+          <a:off x="0" y="0"/>
+          <a:ext cx="0" cy="0"/>
+          <a:chOff x="0" y="0"/>
+          <a:chExt cx="0" cy="0"/>
+        </a:xfrm>
+      </p:grpSpPr>
+      <p:sp>
+        <p:nvSpPr>
+          <p:cNvPr id="2" name="Slide Image Placeholder 1">
+            <a:extLst>
+              <a:ext uri="{FF2B5EF4-FFF2-40B4-BE49-F238E27FC236}">
+                <a16:creationId xmlns:a16="http://schemas.microsoft.com/office/drawing/2014/main" id="{C03A78CD-1AE8-730E-5D4F-C898AA55BDE6}"/>
+              </a:ext>
+            </a:extLst>
+          </p:cNvPr>
+          <p:cNvSpPr>
+            <a:spLocks noGrp="1" noRot="1" noChangeAspect="1"/>
+          </p:cNvSpPr>
+          <p:nvPr>
+            <p:ph type="sldImg"/>
+          </p:nvPr>
+        </p:nvSpPr>
+        <p:spPr/>
+      </p:sp>
+      <p:sp>
+        <p:nvSpPr>
+          <p:cNvPr id="3" name="Notes Placeholder 2">
+            <a:extLst>
+              <a:ext uri="{FF2B5EF4-FFF2-40B4-BE49-F238E27FC236}">
+                <a16:creationId xmlns:a16="http://schemas.microsoft.com/office/drawing/2014/main" id="{1F6E27EB-DBCB-1981-CEDC-6714C271DA73}"/>
+              </a:ext>
+            </a:extLst>
+          </p:cNvPr>
+          <p:cNvSpPr>
+            <a:spLocks noGrp="1"/>
+          </p:cNvSpPr>
+          <p:nvPr>
+            <p:ph type="body" idx="1"/>
+          </p:nvPr>
+        </p:nvSpPr>
+        <p:spPr/>
+        <p:txBody>
+          <a:bodyPr/>
+          <a:lstStyle/>
+          <a:p>
+            <a:endParaRPr lang="en-US" dirty="0"/>
+          </a:p>
+        </p:txBody>
+      </p:sp>
+      <p:sp>
+        <p:nvSpPr>
+          <p:cNvPr id="4" name="Slide Number Placeholder 3">
+            <a:extLst>
+              <a:ext uri="{FF2B5EF4-FFF2-40B4-BE49-F238E27FC236}">
+                <a16:creationId xmlns:a16="http://schemas.microsoft.com/office/drawing/2014/main" id="{B5785430-EE80-F3C8-7C00-EA5D15ED31AB}"/>
+              </a:ext>
+            </a:extLst>
+          </p:cNvPr>
+          <p:cNvSpPr>
+            <a:spLocks noGrp="1"/>
+          </p:cNvSpPr>
+          <p:nvPr>
+            <p:ph type="sldNum" sz="quarter" idx="5"/>
+          </p:nvPr>
+        </p:nvSpPr>
+        <p:spPr/>
+        <p:txBody>
+          <a:bodyPr/>
+          <a:lstStyle/>
+          <a:p>
+            <a:fld id="{A89C7E07-3C67-C64C-8DA0-0404F6303970}" type="slidenum">
+              <a:rPr lang="en-US" smtClean="0"/>
+              <a:t>2</a:t>
+            </a:fld>
+            <a:endParaRPr lang="en-US" dirty="0"/>
+          </a:p>
+        </p:txBody>
+      </p:sp>
+    </p:spTree>
+    <p:extLst>
+      <p:ext uri="{BB962C8B-B14F-4D97-AF65-F5344CB8AC3E}">
+        <p14:creationId xmlns:p14="http://schemas.microsoft.com/office/powerpoint/2010/main" val="1407758728"/>
+      </p:ext>
+    </p:extLst>
+  </p:cSld>
+  <p:clrMapOvr>
+    <a:masterClrMapping/>
+  </p:clrMapOvr>
+</p:notes>
+</file>
+
+<file path=ppt/notesSlides/notesSlide3.xml><?xml version="1.0" encoding="utf-8"?>
+<p:notes xmlns:a="http://schemas.openxmlformats.org/drawingml/2006/main" xmlns:r="http://schemas.openxmlformats.org/officeDocument/2006/relationships" xmlns:p="http://schemas.openxmlformats.org/presentationml/2006/main">
+  <p:cSld>
+    <p:spTree>
+      <p:nvGrpSpPr>
+        <p:cNvPr id="1" name="">
+          <a:extLst>
+            <a:ext uri="{FF2B5EF4-FFF2-40B4-BE49-F238E27FC236}">
+              <a16:creationId xmlns:a16="http://schemas.microsoft.com/office/drawing/2014/main" id="{AD6873FD-A8C3-4B1F-F3AF-9A63AEB10D18}"/>
+            </a:ext>
+          </a:extLst>
+        </p:cNvPr>
+        <p:cNvGrpSpPr/>
+        <p:nvPr/>
+      </p:nvGrpSpPr>
+      <p:grpSpPr>
+        <a:xfrm>
+          <a:off x="0" y="0"/>
+          <a:ext cx="0" cy="0"/>
+          <a:chOff x="0" y="0"/>
+          <a:chExt cx="0" cy="0"/>
+        </a:xfrm>
+      </p:grpSpPr>
+      <p:sp>
+        <p:nvSpPr>
+          <p:cNvPr id="2" name="Slide Image Placeholder 1">
+            <a:extLst>
+              <a:ext uri="{FF2B5EF4-FFF2-40B4-BE49-F238E27FC236}">
+                <a16:creationId xmlns:a16="http://schemas.microsoft.com/office/drawing/2014/main" id="{8D4F10BC-1AC4-0930-1153-811F6866C39C}"/>
+              </a:ext>
+            </a:extLst>
+          </p:cNvPr>
+          <p:cNvSpPr>
+            <a:spLocks noGrp="1" noRot="1" noChangeAspect="1"/>
+          </p:cNvSpPr>
+          <p:nvPr>
+            <p:ph type="sldImg"/>
+          </p:nvPr>
+        </p:nvSpPr>
+        <p:spPr/>
+      </p:sp>
+      <p:sp>
+        <p:nvSpPr>
+          <p:cNvPr id="3" name="Notes Placeholder 2">
+            <a:extLst>
+              <a:ext uri="{FF2B5EF4-FFF2-40B4-BE49-F238E27FC236}">
+                <a16:creationId xmlns:a16="http://schemas.microsoft.com/office/drawing/2014/main" id="{8ACC7740-E94C-D36A-E90B-9F91EA49870C}"/>
+              </a:ext>
+            </a:extLst>
+          </p:cNvPr>
+          <p:cNvSpPr>
+            <a:spLocks noGrp="1"/>
+          </p:cNvSpPr>
+          <p:nvPr>
+            <p:ph type="body" idx="1"/>
+          </p:nvPr>
+        </p:nvSpPr>
+        <p:spPr/>
+        <p:txBody>
+          <a:bodyPr/>
+          <a:lstStyle/>
+          <a:p>
+            <a:endParaRPr lang="en-US" dirty="0"/>
+          </a:p>
+        </p:txBody>
+      </p:sp>
+      <p:sp>
+        <p:nvSpPr>
+          <p:cNvPr id="4" name="Slide Number Placeholder 3">
+            <a:extLst>
+              <a:ext uri="{FF2B5EF4-FFF2-40B4-BE49-F238E27FC236}">
+                <a16:creationId xmlns:a16="http://schemas.microsoft.com/office/drawing/2014/main" id="{A8978928-C0FA-AA27-7B82-B76601A092DD}"/>
+              </a:ext>
+            </a:extLst>
+          </p:cNvPr>
+          <p:cNvSpPr>
+            <a:spLocks noGrp="1"/>
+          </p:cNvSpPr>
+          <p:nvPr>
+            <p:ph type="sldNum" sz="quarter" idx="5"/>
+          </p:nvPr>
+        </p:nvSpPr>
+        <p:spPr/>
+        <p:txBody>
+          <a:bodyPr/>
+          <a:lstStyle/>
+          <a:p>
+            <a:fld id="{A89C7E07-3C67-C64C-8DA0-0404F6303970}" type="slidenum">
+              <a:rPr lang="en-US" smtClean="0"/>
+              <a:t>3</a:t>
+            </a:fld>
+            <a:endParaRPr lang="en-US" dirty="0"/>
+          </a:p>
+        </p:txBody>
+      </p:sp>
+    </p:spTree>
+    <p:extLst>
+      <p:ext uri="{BB962C8B-B14F-4D97-AF65-F5344CB8AC3E}">
+        <p14:creationId xmlns:p14="http://schemas.microsoft.com/office/powerpoint/2010/main" val="302833156"/>
+      </p:ext>
+    </p:extLst>
+  </p:cSld>
+  <p:clrMapOvr>
+    <a:masterClrMapping/>
+  </p:clrMapOvr>
+</p:notes>
+</file>
+
+<file path=ppt/notesSlides/notesSlide4.xml><?xml version="1.0" encoding="utf-8"?>
+<p:notes xmlns:a="http://schemas.openxmlformats.org/drawingml/2006/main" xmlns:r="http://schemas.openxmlformats.org/officeDocument/2006/relationships" xmlns:p="http://schemas.openxmlformats.org/presentationml/2006/main">
+  <p:cSld>
+    <p:spTree>
+      <p:nvGrpSpPr>
+        <p:cNvPr id="1" name="">
+          <a:extLst>
+            <a:ext uri="{FF2B5EF4-FFF2-40B4-BE49-F238E27FC236}">
+              <a16:creationId xmlns:a16="http://schemas.microsoft.com/office/drawing/2014/main" id="{5248C1D9-36E0-1E8C-B3E0-8E181B589B54}"/>
+            </a:ext>
+          </a:extLst>
+        </p:cNvPr>
+        <p:cNvGrpSpPr/>
+        <p:nvPr/>
+      </p:nvGrpSpPr>
+      <p:grpSpPr>
+        <a:xfrm>
+          <a:off x="0" y="0"/>
+          <a:ext cx="0" cy="0"/>
+          <a:chOff x="0" y="0"/>
+          <a:chExt cx="0" cy="0"/>
+        </a:xfrm>
+      </p:grpSpPr>
+      <p:sp>
+        <p:nvSpPr>
+          <p:cNvPr id="2" name="Slide Image Placeholder 1">
+            <a:extLst>
+              <a:ext uri="{FF2B5EF4-FFF2-40B4-BE49-F238E27FC236}">
+                <a16:creationId xmlns:a16="http://schemas.microsoft.com/office/drawing/2014/main" id="{8012D52A-ABF7-31B7-4415-BA3DACA09ABE}"/>
+              </a:ext>
+            </a:extLst>
+          </p:cNvPr>
+          <p:cNvSpPr>
+            <a:spLocks noGrp="1" noRot="1" noChangeAspect="1"/>
+          </p:cNvSpPr>
+          <p:nvPr>
+            <p:ph type="sldImg"/>
+          </p:nvPr>
+        </p:nvSpPr>
+        <p:spPr/>
+      </p:sp>
+      <p:sp>
+        <p:nvSpPr>
+          <p:cNvPr id="3" name="Notes Placeholder 2">
+            <a:extLst>
+              <a:ext uri="{FF2B5EF4-FFF2-40B4-BE49-F238E27FC236}">
+                <a16:creationId xmlns:a16="http://schemas.microsoft.com/office/drawing/2014/main" id="{60E03469-0A9F-315F-0AFF-565B52F5096B}"/>
+              </a:ext>
+            </a:extLst>
+          </p:cNvPr>
+          <p:cNvSpPr>
+            <a:spLocks noGrp="1"/>
+          </p:cNvSpPr>
+          <p:nvPr>
+            <p:ph type="body" idx="1"/>
+          </p:nvPr>
+        </p:nvSpPr>
+        <p:spPr/>
+        <p:txBody>
+          <a:bodyPr/>
+          <a:lstStyle/>
+          <a:p>
+            <a:endParaRPr lang="en-US" dirty="0"/>
+          </a:p>
+        </p:txBody>
+      </p:sp>
+      <p:sp>
+        <p:nvSpPr>
+          <p:cNvPr id="4" name="Slide Number Placeholder 3">
+            <a:extLst>
+              <a:ext uri="{FF2B5EF4-FFF2-40B4-BE49-F238E27FC236}">
+                <a16:creationId xmlns:a16="http://schemas.microsoft.com/office/drawing/2014/main" id="{2B52614F-B77E-792E-7EE9-CB3964A2BAF5}"/>
+              </a:ext>
+            </a:extLst>
+          </p:cNvPr>
+          <p:cNvSpPr>
+            <a:spLocks noGrp="1"/>
+          </p:cNvSpPr>
+          <p:nvPr>
+            <p:ph type="sldNum" sz="quarter" idx="5"/>
+          </p:nvPr>
+        </p:nvSpPr>
+        <p:spPr/>
+        <p:txBody>
+          <a:bodyPr/>
+          <a:lstStyle/>
+          <a:p>
+            <a:fld id="{A89C7E07-3C67-C64C-8DA0-0404F6303970}" type="slidenum">
+              <a:rPr lang="en-US" smtClean="0"/>
+              <a:t>4</a:t>
+            </a:fld>
+            <a:endParaRPr lang="en-US" dirty="0"/>
+          </a:p>
+        </p:txBody>
+      </p:sp>
+    </p:spTree>
+    <p:extLst>
+      <p:ext uri="{BB962C8B-B14F-4D97-AF65-F5344CB8AC3E}">
+        <p14:creationId xmlns:p14="http://schemas.microsoft.com/office/powerpoint/2010/main" val="2547719778"/>
+      </p:ext>
+    </p:extLst>
+  </p:cSld>
+  <p:clrMapOvr>
+    <a:masterClrMapping/>
+  </p:clrMapOvr>
+</p:notes>
+</file>
+
+<file path=ppt/notesSlides/notesSlide5.xml><?xml version="1.0" encoding="utf-8"?>
+<p:notes xmlns:a="http://schemas.openxmlformats.org/drawingml/2006/main" xmlns:r="http://schemas.openxmlformats.org/officeDocument/2006/relationships" xmlns:p="http://schemas.openxmlformats.org/presentationml/2006/main">
+  <p:cSld>
+    <p:spTree>
+      <p:nvGrpSpPr>
+        <p:cNvPr id="1" name="">
+          <a:extLst>
+            <a:ext uri="{FF2B5EF4-FFF2-40B4-BE49-F238E27FC236}">
+              <a16:creationId xmlns:a16="http://schemas.microsoft.com/office/drawing/2014/main" id="{6ED6EADB-8415-35B3-59B9-14FF8E04C161}"/>
+            </a:ext>
+          </a:extLst>
+        </p:cNvPr>
+        <p:cNvGrpSpPr/>
+        <p:nvPr/>
+      </p:nvGrpSpPr>
+      <p:grpSpPr>
+        <a:xfrm>
+          <a:off x="0" y="0"/>
+          <a:ext cx="0" cy="0"/>
+          <a:chOff x="0" y="0"/>
+          <a:chExt cx="0" cy="0"/>
+        </a:xfrm>
+      </p:grpSpPr>
+      <p:sp>
+        <p:nvSpPr>
+          <p:cNvPr id="2" name="Slide Image Placeholder 1">
+            <a:extLst>
+              <a:ext uri="{FF2B5EF4-FFF2-40B4-BE49-F238E27FC236}">
+                <a16:creationId xmlns:a16="http://schemas.microsoft.com/office/drawing/2014/main" id="{EBBD54BF-F396-1D29-53CB-907A8165740C}"/>
+              </a:ext>
+            </a:extLst>
+          </p:cNvPr>
+          <p:cNvSpPr>
+            <a:spLocks noGrp="1" noRot="1" noChangeAspect="1"/>
+          </p:cNvSpPr>
+          <p:nvPr>
+            <p:ph type="sldImg"/>
+          </p:nvPr>
+        </p:nvSpPr>
+        <p:spPr/>
+      </p:sp>
+      <p:sp>
+        <p:nvSpPr>
+          <p:cNvPr id="3" name="Notes Placeholder 2">
+            <a:extLst>
+              <a:ext uri="{FF2B5EF4-FFF2-40B4-BE49-F238E27FC236}">
+                <a16:creationId xmlns:a16="http://schemas.microsoft.com/office/drawing/2014/main" id="{2CA2E814-47D0-2393-F7C1-827EB64127BF}"/>
+              </a:ext>
+            </a:extLst>
+          </p:cNvPr>
+          <p:cNvSpPr>
+            <a:spLocks noGrp="1"/>
+          </p:cNvSpPr>
+          <p:nvPr>
+            <p:ph type="body" idx="1"/>
+          </p:nvPr>
+        </p:nvSpPr>
+        <p:spPr/>
+        <p:txBody>
+          <a:bodyPr/>
+          <a:lstStyle/>
+          <a:p>
+            <a:endParaRPr lang="en-US" dirty="0"/>
+          </a:p>
+        </p:txBody>
+      </p:sp>
+      <p:sp>
+        <p:nvSpPr>
+          <p:cNvPr id="4" name="Slide Number Placeholder 3">
+            <a:extLst>
+              <a:ext uri="{FF2B5EF4-FFF2-40B4-BE49-F238E27FC236}">
+                <a16:creationId xmlns:a16="http://schemas.microsoft.com/office/drawing/2014/main" id="{BBB9DCFD-5E13-5803-F5BE-ED44CE0D2E60}"/>
+              </a:ext>
+            </a:extLst>
+          </p:cNvPr>
+          <p:cNvSpPr>
+            <a:spLocks noGrp="1"/>
+          </p:cNvSpPr>
+          <p:nvPr>
+            <p:ph type="sldNum" sz="quarter" idx="5"/>
+          </p:nvPr>
+        </p:nvSpPr>
+        <p:spPr/>
+        <p:txBody>
+          <a:bodyPr/>
+          <a:lstStyle/>
+          <a:p>
+            <a:fld id="{A89C7E07-3C67-C64C-8DA0-0404F6303970}" type="slidenum">
+              <a:rPr lang="en-US" smtClean="0"/>
+              <a:t>5</a:t>
+            </a:fld>
+            <a:endParaRPr lang="en-US" dirty="0"/>
+          </a:p>
+        </p:txBody>
+      </p:sp>
+    </p:spTree>
+    <p:extLst>
+      <p:ext uri="{BB962C8B-B14F-4D97-AF65-F5344CB8AC3E}">
+        <p14:creationId xmlns:p14="http://schemas.microsoft.com/office/powerpoint/2010/main" val="3356538120"/>
+      </p:ext>
+    </p:extLst>
+  </p:cSld>
+  <p:clrMapOvr>
+    <a:masterClrMapping/>
+  </p:clrMapOvr>
+</p:notes>
+</file>
+
+<file path=ppt/notesSlides/notesSlide6.xml><?xml version="1.0" encoding="utf-8"?>
+<p:notes xmlns:a="http://schemas.openxmlformats.org/drawingml/2006/main" xmlns:r="http://schemas.openxmlformats.org/officeDocument/2006/relationships" xmlns:p="http://schemas.openxmlformats.org/presentationml/2006/main">
+  <p:cSld>
+    <p:spTree>
+      <p:nvGrpSpPr>
+        <p:cNvPr id="1" name="">
+          <a:extLst>
+            <a:ext uri="{FF2B5EF4-FFF2-40B4-BE49-F238E27FC236}">
+              <a16:creationId xmlns:a16="http://schemas.microsoft.com/office/drawing/2014/main" id="{6693F325-0373-7BB9-E2E2-7E5D88229EE3}"/>
+            </a:ext>
+          </a:extLst>
+        </p:cNvPr>
+        <p:cNvGrpSpPr/>
+        <p:nvPr/>
+      </p:nvGrpSpPr>
+      <p:grpSpPr>
+        <a:xfrm>
+          <a:off x="0" y="0"/>
+          <a:ext cx="0" cy="0"/>
+          <a:chOff x="0" y="0"/>
+          <a:chExt cx="0" cy="0"/>
+        </a:xfrm>
+      </p:grpSpPr>
+      <p:sp>
+        <p:nvSpPr>
+          <p:cNvPr id="2" name="Slide Image Placeholder 1">
+            <a:extLst>
+              <a:ext uri="{FF2B5EF4-FFF2-40B4-BE49-F238E27FC236}">
+                <a16:creationId xmlns:a16="http://schemas.microsoft.com/office/drawing/2014/main" id="{CFF5572C-0754-56D2-8E7C-95BBE42DEAF2}"/>
+              </a:ext>
+            </a:extLst>
+          </p:cNvPr>
+          <p:cNvSpPr>
+            <a:spLocks noGrp="1" noRot="1" noChangeAspect="1"/>
+          </p:cNvSpPr>
+          <p:nvPr>
+            <p:ph type="sldImg"/>
+          </p:nvPr>
+        </p:nvSpPr>
+        <p:spPr/>
+      </p:sp>
+      <p:sp>
+        <p:nvSpPr>
+          <p:cNvPr id="3" name="Notes Placeholder 2">
+            <a:extLst>
+              <a:ext uri="{FF2B5EF4-FFF2-40B4-BE49-F238E27FC236}">
+                <a16:creationId xmlns:a16="http://schemas.microsoft.com/office/drawing/2014/main" id="{1AD3E861-B3CD-648B-A7A8-FC4276AAA56A}"/>
+              </a:ext>
+            </a:extLst>
+          </p:cNvPr>
+          <p:cNvSpPr>
+            <a:spLocks noGrp="1"/>
+          </p:cNvSpPr>
+          <p:nvPr>
+            <p:ph type="body" idx="1"/>
+          </p:nvPr>
+        </p:nvSpPr>
+        <p:spPr/>
+        <p:txBody>
+          <a:bodyPr/>
+          <a:lstStyle/>
+          <a:p>
+            <a:endParaRPr lang="en-US" dirty="0"/>
+          </a:p>
+        </p:txBody>
+      </p:sp>
+      <p:sp>
+        <p:nvSpPr>
+          <p:cNvPr id="4" name="Slide Number Placeholder 3">
+            <a:extLst>
+              <a:ext uri="{FF2B5EF4-FFF2-40B4-BE49-F238E27FC236}">
+                <a16:creationId xmlns:a16="http://schemas.microsoft.com/office/drawing/2014/main" id="{26959612-5B20-B8C4-DF64-76647AD16ED9}"/>
+              </a:ext>
+            </a:extLst>
+          </p:cNvPr>
+          <p:cNvSpPr>
+            <a:spLocks noGrp="1"/>
+          </p:cNvSpPr>
+          <p:nvPr>
+            <p:ph type="sldNum" sz="quarter" idx="5"/>
+          </p:nvPr>
+        </p:nvSpPr>
+        <p:spPr/>
+        <p:txBody>
+          <a:bodyPr/>
+          <a:lstStyle/>
+          <a:p>
+            <a:fld id="{A89C7E07-3C67-C64C-8DA0-0404F6303970}" type="slidenum">
+              <a:rPr lang="en-US" smtClean="0"/>
+              <a:t>6</a:t>
+            </a:fld>
+            <a:endParaRPr lang="en-US" dirty="0"/>
+          </a:p>
+        </p:txBody>
+      </p:sp>
+    </p:spTree>
+    <p:extLst>
+      <p:ext uri="{BB962C8B-B14F-4D97-AF65-F5344CB8AC3E}">
+        <p14:creationId xmlns:p14="http://schemas.microsoft.com/office/powerpoint/2010/main" val="935918253"/>
+      </p:ext>
+    </p:extLst>
+  </p:cSld>
+  <p:clrMapOvr>
+    <a:masterClrMapping/>
+  </p:clrMapOvr>
+</p:notes>
+</file>
+
+<file path=ppt/notesSlides/notesSlide7.xml><?xml version="1.0" encoding="utf-8"?>
+<p:notes xmlns:a="http://schemas.openxmlformats.org/drawingml/2006/main" xmlns:r="http://schemas.openxmlformats.org/officeDocument/2006/relationships" xmlns:p="http://schemas.openxmlformats.org/presentationml/2006/main">
+  <p:cSld>
+    <p:spTree>
+      <p:nvGrpSpPr>
+        <p:cNvPr id="1" name="">
+          <a:extLst>
+            <a:ext uri="{FF2B5EF4-FFF2-40B4-BE49-F238E27FC236}">
+              <a16:creationId xmlns:a16="http://schemas.microsoft.com/office/drawing/2014/main" id="{6413BA79-2733-A2CE-44B0-A9E827E03C23}"/>
+            </a:ext>
+          </a:extLst>
+        </p:cNvPr>
+        <p:cNvGrpSpPr/>
+        <p:nvPr/>
+      </p:nvGrpSpPr>
+      <p:grpSpPr>
+        <a:xfrm>
+          <a:off x="0" y="0"/>
+          <a:ext cx="0" cy="0"/>
+          <a:chOff x="0" y="0"/>
+          <a:chExt cx="0" cy="0"/>
+        </a:xfrm>
+      </p:grpSpPr>
+      <p:sp>
+        <p:nvSpPr>
+          <p:cNvPr id="2" name="Slide Image Placeholder 1">
+            <a:extLst>
+              <a:ext uri="{FF2B5EF4-FFF2-40B4-BE49-F238E27FC236}">
+                <a16:creationId xmlns:a16="http://schemas.microsoft.com/office/drawing/2014/main" id="{6B32F595-8026-9DBE-B245-FC4805F69DEB}"/>
+              </a:ext>
+            </a:extLst>
+          </p:cNvPr>
+          <p:cNvSpPr>
+            <a:spLocks noGrp="1" noRot="1" noChangeAspect="1"/>
+          </p:cNvSpPr>
+          <p:nvPr>
+            <p:ph type="sldImg"/>
+          </p:nvPr>
+        </p:nvSpPr>
+        <p:spPr/>
+      </p:sp>
+      <p:sp>
+        <p:nvSpPr>
+          <p:cNvPr id="3" name="Notes Placeholder 2">
+            <a:extLst>
+              <a:ext uri="{FF2B5EF4-FFF2-40B4-BE49-F238E27FC236}">
+                <a16:creationId xmlns:a16="http://schemas.microsoft.com/office/drawing/2014/main" id="{99124996-8759-6BBF-D0AA-AE7EA3A8FC8E}"/>
+              </a:ext>
+            </a:extLst>
+          </p:cNvPr>
+          <p:cNvSpPr>
+            <a:spLocks noGrp="1"/>
+          </p:cNvSpPr>
+          <p:nvPr>
+            <p:ph type="body" idx="1"/>
+          </p:nvPr>
+        </p:nvSpPr>
+        <p:spPr/>
+        <p:txBody>
+          <a:bodyPr/>
+          <a:lstStyle/>
+          <a:p>
+            <a:endParaRPr lang="en-US" dirty="0"/>
+          </a:p>
+        </p:txBody>
+      </p:sp>
+      <p:sp>
+        <p:nvSpPr>
+          <p:cNvPr id="4" name="Slide Number Placeholder 3">
+            <a:extLst>
+              <a:ext uri="{FF2B5EF4-FFF2-40B4-BE49-F238E27FC236}">
+                <a16:creationId xmlns:a16="http://schemas.microsoft.com/office/drawing/2014/main" id="{C8850600-59A3-8B9F-F7CD-7D47C95D55E7}"/>
+              </a:ext>
+            </a:extLst>
+          </p:cNvPr>
+          <p:cNvSpPr>
+            <a:spLocks noGrp="1"/>
+          </p:cNvSpPr>
+          <p:nvPr>
+            <p:ph type="sldNum" sz="quarter" idx="5"/>
+          </p:nvPr>
+        </p:nvSpPr>
+        <p:spPr/>
+        <p:txBody>
+          <a:bodyPr/>
+          <a:lstStyle/>
+          <a:p>
+            <a:fld id="{A89C7E07-3C67-C64C-8DA0-0404F6303970}" type="slidenum">
+              <a:rPr lang="en-US" smtClean="0"/>
+              <a:t>7</a:t>
+            </a:fld>
+            <a:endParaRPr lang="en-US" dirty="0"/>
+          </a:p>
+        </p:txBody>
+      </p:sp>
+    </p:spTree>
+    <p:extLst>
+      <p:ext uri="{BB962C8B-B14F-4D97-AF65-F5344CB8AC3E}">
+        <p14:creationId xmlns:p14="http://schemas.microsoft.com/office/powerpoint/2010/main" val="946239506"/>
+      </p:ext>
+    </p:extLst>
+  </p:cSld>
+  <p:clrMapOvr>
+    <a:masterClrMapping/>
+  </p:clrMapOvr>
+</p:notes>
+</file>
+
+<file path=ppt/notesSlides/notesSlide8.xml><?xml version="1.0" encoding="utf-8"?>
+<p:notes xmlns:a="http://schemas.openxmlformats.org/drawingml/2006/main" xmlns:r="http://schemas.openxmlformats.org/officeDocument/2006/relationships" xmlns:p="http://schemas.openxmlformats.org/presentationml/2006/main">
+  <p:cSld>
+    <p:spTree>
+      <p:nvGrpSpPr>
+        <p:cNvPr id="1" name="">
+          <a:extLst>
+            <a:ext uri="{FF2B5EF4-FFF2-40B4-BE49-F238E27FC236}">
+              <a16:creationId xmlns:a16="http://schemas.microsoft.com/office/drawing/2014/main" id="{56C6062A-936C-AB65-BBFA-AEE716405A91}"/>
+            </a:ext>
+          </a:extLst>
+        </p:cNvPr>
+        <p:cNvGrpSpPr/>
+        <p:nvPr/>
+      </p:nvGrpSpPr>
+      <p:grpSpPr>
+        <a:xfrm>
+          <a:off x="0" y="0"/>
+          <a:ext cx="0" cy="0"/>
+          <a:chOff x="0" y="0"/>
+          <a:chExt cx="0" cy="0"/>
+        </a:xfrm>
+      </p:grpSpPr>
+      <p:sp>
+        <p:nvSpPr>
+          <p:cNvPr id="2" name="Slide Image Placeholder 1">
+            <a:extLst>
+              <a:ext uri="{FF2B5EF4-FFF2-40B4-BE49-F238E27FC236}">
+                <a16:creationId xmlns:a16="http://schemas.microsoft.com/office/drawing/2014/main" id="{EAD89A39-731D-D148-D0E7-D8FBCED20BF4}"/>
+              </a:ext>
+            </a:extLst>
+          </p:cNvPr>
+          <p:cNvSpPr>
+            <a:spLocks noGrp="1" noRot="1" noChangeAspect="1"/>
+          </p:cNvSpPr>
+          <p:nvPr>
+            <p:ph type="sldImg"/>
+          </p:nvPr>
+        </p:nvSpPr>
+        <p:spPr/>
+      </p:sp>
+      <p:sp>
+        <p:nvSpPr>
+          <p:cNvPr id="3" name="Notes Placeholder 2">
+            <a:extLst>
+              <a:ext uri="{FF2B5EF4-FFF2-40B4-BE49-F238E27FC236}">
+                <a16:creationId xmlns:a16="http://schemas.microsoft.com/office/drawing/2014/main" id="{DF7A7418-3E0E-10AB-B4A3-DAB63B6DA48E}"/>
+              </a:ext>
+            </a:extLst>
+          </p:cNvPr>
+          <p:cNvSpPr>
+            <a:spLocks noGrp="1"/>
+          </p:cNvSpPr>
+          <p:nvPr>
+            <p:ph type="body" idx="1"/>
+          </p:nvPr>
+        </p:nvSpPr>
+        <p:spPr/>
+        <p:txBody>
+          <a:bodyPr/>
+          <a:lstStyle/>
+          <a:p>
+            <a:endParaRPr lang="en-US" dirty="0"/>
+          </a:p>
+        </p:txBody>
+      </p:sp>
+      <p:sp>
+        <p:nvSpPr>
+          <p:cNvPr id="4" name="Slide Number Placeholder 3">
+            <a:extLst>
+              <a:ext uri="{FF2B5EF4-FFF2-40B4-BE49-F238E27FC236}">
+                <a16:creationId xmlns:a16="http://schemas.microsoft.com/office/drawing/2014/main" id="{0F73C773-DF20-E9AE-C5DE-C428ACF9DB03}"/>
+              </a:ext>
+            </a:extLst>
+          </p:cNvPr>
+          <p:cNvSpPr>
+            <a:spLocks noGrp="1"/>
+          </p:cNvSpPr>
+          <p:nvPr>
+            <p:ph type="sldNum" sz="quarter" idx="5"/>
+          </p:nvPr>
+        </p:nvSpPr>
+        <p:spPr/>
+        <p:txBody>
+          <a:bodyPr/>
+          <a:lstStyle/>
+          <a:p>
+            <a:fld id="{A89C7E07-3C67-C64C-8DA0-0404F6303970}" type="slidenum">
+              <a:rPr lang="en-US" smtClean="0"/>
+              <a:t>8</a:t>
+            </a:fld>
+            <a:endParaRPr lang="en-US" dirty="0"/>
+          </a:p>
+        </p:txBody>
+      </p:sp>
+    </p:spTree>
+    <p:extLst>
+      <p:ext uri="{BB962C8B-B14F-4D97-AF65-F5344CB8AC3E}">
+        <p14:creationId xmlns:p14="http://schemas.microsoft.com/office/powerpoint/2010/main" val="1485855793"/>
+      </p:ext>
+    </p:extLst>
+  </p:cSld>
+  <p:clrMapOvr>
+    <a:masterClrMapping/>
+  </p:clrMapOvr>
+</p:notes>
+</file>
+
+<file path=ppt/notesSlides/notesSlide9.xml><?xml version="1.0" encoding="utf-8"?>
+<p:notes xmlns:a="http://schemas.openxmlformats.org/drawingml/2006/main" xmlns:r="http://schemas.openxmlformats.org/officeDocument/2006/relationships" xmlns:p="http://schemas.openxmlformats.org/presentationml/2006/main">
+  <p:cSld>
+    <p:spTree>
+      <p:nvGrpSpPr>
+        <p:cNvPr id="1" name="">
+          <a:extLst>
+            <a:ext uri="{FF2B5EF4-FFF2-40B4-BE49-F238E27FC236}">
+              <a16:creationId xmlns:a16="http://schemas.microsoft.com/office/drawing/2014/main" id="{811690D2-6287-B700-8742-3F957F45CBF1}"/>
+            </a:ext>
+          </a:extLst>
+        </p:cNvPr>
+        <p:cNvGrpSpPr/>
+        <p:nvPr/>
+      </p:nvGrpSpPr>
+      <p:grpSpPr>
+        <a:xfrm>
+          <a:off x="0" y="0"/>
+          <a:ext cx="0" cy="0"/>
+          <a:chOff x="0" y="0"/>
+          <a:chExt cx="0" cy="0"/>
+        </a:xfrm>
+      </p:grpSpPr>
+      <p:sp>
+        <p:nvSpPr>
+          <p:cNvPr id="2" name="Slide Image Placeholder 1">
+            <a:extLst>
+              <a:ext uri="{FF2B5EF4-FFF2-40B4-BE49-F238E27FC236}">
+                <a16:creationId xmlns:a16="http://schemas.microsoft.com/office/drawing/2014/main" id="{C5EC71DE-D5FD-E1F8-4070-5D582E13901E}"/>
+              </a:ext>
+            </a:extLst>
+          </p:cNvPr>
+          <p:cNvSpPr>
+            <a:spLocks noGrp="1" noRot="1" noChangeAspect="1"/>
+          </p:cNvSpPr>
+          <p:nvPr>
+            <p:ph type="sldImg"/>
+          </p:nvPr>
+        </p:nvSpPr>
+        <p:spPr/>
+      </p:sp>
+      <p:sp>
+        <p:nvSpPr>
+          <p:cNvPr id="3" name="Notes Placeholder 2">
+            <a:extLst>
+              <a:ext uri="{FF2B5EF4-FFF2-40B4-BE49-F238E27FC236}">
+                <a16:creationId xmlns:a16="http://schemas.microsoft.com/office/drawing/2014/main" id="{E10BFF51-EEF0-2A6B-6749-181AEFB54313}"/>
+              </a:ext>
+            </a:extLst>
+          </p:cNvPr>
+          <p:cNvSpPr>
+            <a:spLocks noGrp="1"/>
+          </p:cNvSpPr>
+          <p:nvPr>
+            <p:ph type="body" idx="1"/>
+          </p:nvPr>
+        </p:nvSpPr>
+        <p:spPr/>
+        <p:txBody>
+          <a:bodyPr/>
+          <a:lstStyle/>
+          <a:p>
+            <a:endParaRPr lang="en-US" dirty="0"/>
+          </a:p>
+        </p:txBody>
+      </p:sp>
+      <p:sp>
+        <p:nvSpPr>
+          <p:cNvPr id="4" name="Slide Number Placeholder 3">
+            <a:extLst>
+              <a:ext uri="{FF2B5EF4-FFF2-40B4-BE49-F238E27FC236}">
+                <a16:creationId xmlns:a16="http://schemas.microsoft.com/office/drawing/2014/main" id="{9B505397-326D-9DCF-0F25-DC0330258D1E}"/>
+              </a:ext>
+            </a:extLst>
+          </p:cNvPr>
+          <p:cNvSpPr>
+            <a:spLocks noGrp="1"/>
+          </p:cNvSpPr>
+          <p:nvPr>
+            <p:ph type="sldNum" sz="quarter" idx="5"/>
+          </p:nvPr>
+        </p:nvSpPr>
+        <p:spPr/>
+        <p:txBody>
+          <a:bodyPr/>
+          <a:lstStyle/>
+          <a:p>
+            <a:fld id="{A89C7E07-3C67-C64C-8DA0-0404F6303970}" type="slidenum">
+              <a:rPr lang="en-US" smtClean="0"/>
+              <a:t>9</a:t>
+            </a:fld>
+            <a:endParaRPr lang="en-US" dirty="0"/>
+          </a:p>
+        </p:txBody>
+      </p:sp>
+    </p:spTree>
+    <p:extLst>
+      <p:ext uri="{BB962C8B-B14F-4D97-AF65-F5344CB8AC3E}">
+        <p14:creationId xmlns:p14="http://schemas.microsoft.com/office/powerpoint/2010/main" val="2907533838"/>
       </p:ext>
     </p:extLst>
   </p:cSld>
@@ -9536,6 +10081,69 @@
 </p:sld>
 </file>
 
+<file path=ppt/slides/slide10.xml><?xml version="1.0" encoding="utf-8"?>
+<p:sld xmlns:a="http://schemas.openxmlformats.org/drawingml/2006/main" xmlns:r="http://schemas.openxmlformats.org/officeDocument/2006/relationships" xmlns:p="http://schemas.openxmlformats.org/presentationml/2006/main">
+  <p:cSld>
+    <p:spTree>
+      <p:nvGrpSpPr>
+        <p:cNvPr id="1" name=""/>
+        <p:cNvGrpSpPr/>
+        <p:nvPr/>
+      </p:nvGrpSpPr>
+      <p:grpSpPr>
+        <a:xfrm>
+          <a:off x="0" y="0"/>
+          <a:ext cx="0" cy="0"/>
+          <a:chOff x="0" y="0"/>
+          <a:chExt cx="0" cy="0"/>
+        </a:xfrm>
+      </p:grpSpPr>
+      <p:sp>
+        <p:nvSpPr>
+          <p:cNvPr id="2" name="Title 1">
+            <a:extLst>
+              <a:ext uri="{FF2B5EF4-FFF2-40B4-BE49-F238E27FC236}">
+                <a16:creationId xmlns:a16="http://schemas.microsoft.com/office/drawing/2014/main" id="{F810C1B7-6E4E-3DEE-50C0-1CA3B14303EE}"/>
+              </a:ext>
+            </a:extLst>
+          </p:cNvPr>
+          <p:cNvSpPr>
+            <a:spLocks noGrp="1"/>
+          </p:cNvSpPr>
+          <p:nvPr>
+            <p:ph type="ctrTitle"/>
+          </p:nvPr>
+        </p:nvSpPr>
+        <p:spPr>
+          <a:xfrm>
+            <a:off x="594360" y="411479"/>
+            <a:ext cx="5486400" cy="3291840"/>
+          </a:xfrm>
+        </p:spPr>
+        <p:txBody>
+          <a:bodyPr/>
+          <a:lstStyle/>
+          <a:p>
+            <a:r>
+              <a:rPr lang="en-US" dirty="0"/>
+              <a:t>Thank you</a:t>
+            </a:r>
+          </a:p>
+        </p:txBody>
+      </p:sp>
+    </p:spTree>
+    <p:extLst>
+      <p:ext uri="{BB962C8B-B14F-4D97-AF65-F5344CB8AC3E}">
+        <p14:creationId xmlns:p14="http://schemas.microsoft.com/office/powerpoint/2010/main" val="4261132419"/>
+      </p:ext>
+    </p:extLst>
+  </p:cSld>
+  <p:clrMapOvr>
+    <a:masterClrMapping/>
+  </p:clrMapOvr>
+</p:sld>
+</file>
+
 <file path=ppt/slides/slide2.xml><?xml version="1.0" encoding="utf-8"?>
 <p:sld xmlns:a="http://schemas.openxmlformats.org/drawingml/2006/main" xmlns:r="http://schemas.openxmlformats.org/officeDocument/2006/relationships" xmlns:p="http://schemas.openxmlformats.org/presentationml/2006/main">
   <p:cSld>
@@ -9996,6 +10604,559 @@
         <p:cNvPr id="1" name="">
           <a:extLst>
             <a:ext uri="{FF2B5EF4-FFF2-40B4-BE49-F238E27FC236}">
+              <a16:creationId xmlns:a16="http://schemas.microsoft.com/office/drawing/2014/main" id="{6738A616-4951-E64D-C19E-0D54D0045BDF}"/>
+            </a:ext>
+          </a:extLst>
+        </p:cNvPr>
+        <p:cNvGrpSpPr/>
+        <p:nvPr/>
+      </p:nvGrpSpPr>
+      <p:grpSpPr>
+        <a:xfrm>
+          <a:off x="0" y="0"/>
+          <a:ext cx="0" cy="0"/>
+          <a:chOff x="0" y="0"/>
+          <a:chExt cx="0" cy="0"/>
+        </a:xfrm>
+      </p:grpSpPr>
+      <p:sp>
+        <p:nvSpPr>
+          <p:cNvPr id="2" name="Title 1">
+            <a:extLst>
+              <a:ext uri="{FF2B5EF4-FFF2-40B4-BE49-F238E27FC236}">
+                <a16:creationId xmlns:a16="http://schemas.microsoft.com/office/drawing/2014/main" id="{57EAD0F1-1B23-7F7D-916D-0DA7472811B2}"/>
+              </a:ext>
+            </a:extLst>
+          </p:cNvPr>
+          <p:cNvSpPr>
+            <a:spLocks noGrp="1"/>
+          </p:cNvSpPr>
+          <p:nvPr>
+            <p:ph type="title"/>
+          </p:nvPr>
+        </p:nvSpPr>
+        <p:spPr>
+          <a:xfrm>
+            <a:off x="234142" y="-142926"/>
+            <a:ext cx="8466513" cy="1112744"/>
+          </a:xfrm>
+        </p:spPr>
+        <p:txBody>
+          <a:bodyPr/>
+          <a:lstStyle/>
+          <a:p>
+            <a:pPr fontAlgn="base"/>
+            <a:r>
+              <a:rPr lang="en-US" b="0" dirty="0"/>
+              <a:t>Basic Concepts structure UI </a:t>
+            </a:r>
+          </a:p>
+        </p:txBody>
+      </p:sp>
+      <p:sp>
+        <p:nvSpPr>
+          <p:cNvPr id="4" name="Rectangle 1">
+            <a:extLst>
+              <a:ext uri="{FF2B5EF4-FFF2-40B4-BE49-F238E27FC236}">
+                <a16:creationId xmlns:a16="http://schemas.microsoft.com/office/drawing/2014/main" id="{9AC1BE93-8391-02C6-082E-FB8FE5BC1223}"/>
+              </a:ext>
+            </a:extLst>
+          </p:cNvPr>
+          <p:cNvSpPr>
+            <a:spLocks noChangeArrowheads="1"/>
+          </p:cNvSpPr>
+          <p:nvPr/>
+        </p:nvSpPr>
+        <p:spPr bwMode="auto">
+          <a:xfrm>
+            <a:off x="0" y="0"/>
+            <a:ext cx="12192000" cy="0"/>
+          </a:xfrm>
+          <a:prstGeom prst="rect">
+            <a:avLst/>
+          </a:prstGeom>
+          <a:noFill/>
+          <a:ln>
+            <a:noFill/>
+          </a:ln>
+          <a:effectLst/>
+          <a:extLst>
+            <a:ext uri="{909E8E84-426E-40DD-AFC4-6F175D3DCCD1}">
+              <a14:hiddenFill xmlns:a14="http://schemas.microsoft.com/office/drawing/2010/main">
+                <a:solidFill>
+                  <a:schemeClr val="accent1"/>
+                </a:solidFill>
+              </a14:hiddenFill>
+            </a:ext>
+            <a:ext uri="{91240B29-F687-4F45-9708-019B960494DF}">
+              <a14:hiddenLine xmlns:a14="http://schemas.microsoft.com/office/drawing/2010/main" w="9525">
+                <a:solidFill>
+                  <a:schemeClr val="tx1"/>
+                </a:solidFill>
+                <a:miter lim="800000"/>
+                <a:headEnd/>
+                <a:tailEnd/>
+              </a14:hiddenLine>
+            </a:ext>
+            <a:ext uri="{AF507438-7753-43E0-B8FC-AC1667EBCBE1}">
+              <a14:hiddenEffects xmlns:a14="http://schemas.microsoft.com/office/drawing/2010/main">
+                <a:effectLst>
+                  <a:outerShdw dist="35921" dir="2700000" algn="ctr" rotWithShape="0">
+                    <a:schemeClr val="bg2"/>
+                  </a:outerShdw>
+                </a:effectLst>
+              </a14:hiddenEffects>
+            </a:ext>
+          </a:extLst>
+        </p:spPr>
+        <p:txBody>
+          <a:bodyPr vert="horz" wrap="none" lIns="91440" tIns="45720" rIns="91440" bIns="45720" numCol="1" anchor="ctr" anchorCtr="0" compatLnSpc="1">
+            <a:prstTxWarp prst="textNoShape">
+              <a:avLst/>
+            </a:prstTxWarp>
+            <a:spAutoFit/>
+          </a:bodyPr>
+          <a:lstStyle/>
+          <a:p>
+            <a:pPr marL="0" marR="0" lvl="0" indent="0" algn="l" defTabSz="914400" rtl="0" eaLnBrk="0" fontAlgn="base" latinLnBrk="0" hangingPunct="0">
+              <a:lnSpc>
+                <a:spcPct val="100000"/>
+              </a:lnSpc>
+              <a:spcBef>
+                <a:spcPct val="0"/>
+              </a:spcBef>
+              <a:spcAft>
+                <a:spcPct val="0"/>
+              </a:spcAft>
+              <a:buClrTx/>
+              <a:buSzTx/>
+              <a:buFontTx/>
+              <a:buChar char="•"/>
+              <a:tabLst/>
+            </a:pPr>
+            <a:r>
+              <a:rPr kumimoji="0" lang="en-US" altLang="en-US" sz="1800" b="1" i="0" u="none" strike="noStrike" cap="none" normalizeH="0" baseline="0" dirty="0">
+                <a:ln>
+                  <a:noFill/>
+                </a:ln>
+                <a:solidFill>
+                  <a:schemeClr val="tx1"/>
+                </a:solidFill>
+                <a:effectLst/>
+                <a:latin typeface="Arial" panose="020B0604020202020204" pitchFamily="34" charset="0"/>
+              </a:rPr>
+              <a:t>display: grid;</a:t>
+            </a:r>
+            <a:r>
+              <a:rPr kumimoji="0" lang="en-US" altLang="en-US" sz="1800" b="0" i="0" u="none" strike="noStrike" cap="none" normalizeH="0" baseline="0" dirty="0">
+                <a:ln>
+                  <a:noFill/>
+                </a:ln>
+                <a:solidFill>
+                  <a:schemeClr val="tx1"/>
+                </a:solidFill>
+                <a:effectLst/>
+                <a:latin typeface="Arial" panose="020B0604020202020204" pitchFamily="34" charset="0"/>
+              </a:rPr>
+              <a:t> → turns an element into a grid container.</a:t>
+            </a:r>
+          </a:p>
+          <a:p>
+            <a:pPr marL="0" marR="0" lvl="0" indent="0" algn="l" defTabSz="914400" rtl="0" eaLnBrk="0" fontAlgn="base" latinLnBrk="0" hangingPunct="0">
+              <a:lnSpc>
+                <a:spcPct val="100000"/>
+              </a:lnSpc>
+              <a:spcBef>
+                <a:spcPct val="0"/>
+              </a:spcBef>
+              <a:spcAft>
+                <a:spcPct val="0"/>
+              </a:spcAft>
+              <a:buClrTx/>
+              <a:buSzTx/>
+              <a:buFontTx/>
+              <a:buChar char="•"/>
+              <a:tabLst/>
+            </a:pPr>
+            <a:r>
+              <a:rPr kumimoji="0" lang="en-US" altLang="en-US" sz="1800" b="1" i="0" u="none" strike="noStrike" cap="none" normalizeH="0" baseline="0" dirty="0">
+                <a:ln>
+                  <a:noFill/>
+                </a:ln>
+                <a:solidFill>
+                  <a:schemeClr val="tx1"/>
+                </a:solidFill>
+                <a:effectLst/>
+                <a:latin typeface="Arial" panose="020B0604020202020204" pitchFamily="34" charset="0"/>
+              </a:rPr>
+              <a:t>grid-template-rows / grid-template-columns</a:t>
+            </a:r>
+            <a:r>
+              <a:rPr kumimoji="0" lang="en-US" altLang="en-US" sz="1800" b="0" i="0" u="none" strike="noStrike" cap="none" normalizeH="0" baseline="0" dirty="0">
+                <a:ln>
+                  <a:noFill/>
+                </a:ln>
+                <a:solidFill>
+                  <a:schemeClr val="tx1"/>
+                </a:solidFill>
+                <a:effectLst/>
+                <a:latin typeface="Arial" panose="020B0604020202020204" pitchFamily="34" charset="0"/>
+              </a:rPr>
+              <a:t> → define rows and columns.</a:t>
+            </a:r>
+          </a:p>
+        </p:txBody>
+      </p:sp>
+      <p:pic>
+        <p:nvPicPr>
+          <p:cNvPr id="8" name="Content Placeholder 7">
+            <a:extLst>
+              <a:ext uri="{FF2B5EF4-FFF2-40B4-BE49-F238E27FC236}">
+                <a16:creationId xmlns:a16="http://schemas.microsoft.com/office/drawing/2014/main" id="{465E8929-215E-6D88-5A9B-E00CC4499ADA}"/>
+              </a:ext>
+            </a:extLst>
+          </p:cNvPr>
+          <p:cNvPicPr>
+            <a:picLocks noGrp="1" noChangeAspect="1"/>
+          </p:cNvPicPr>
+          <p:nvPr>
+            <p:ph sz="quarter" idx="13"/>
+          </p:nvPr>
+        </p:nvPicPr>
+        <p:blipFill>
+          <a:blip r:embed="rId3">
+            <a:extLst>
+              <a:ext uri="{28A0092B-C50C-407E-A947-70E740481C1C}">
+                <a14:useLocalDpi xmlns:a14="http://schemas.microsoft.com/office/drawing/2010/main" val="0"/>
+              </a:ext>
+            </a:extLst>
+          </a:blip>
+          <a:stretch>
+            <a:fillRect/>
+          </a:stretch>
+        </p:blipFill>
+        <p:spPr>
+          <a:xfrm>
+            <a:off x="526472" y="1210669"/>
+            <a:ext cx="11139055" cy="5550348"/>
+          </a:xfrm>
+        </p:spPr>
+      </p:pic>
+    </p:spTree>
+    <p:extLst>
+      <p:ext uri="{BB962C8B-B14F-4D97-AF65-F5344CB8AC3E}">
+        <p14:creationId xmlns:p14="http://schemas.microsoft.com/office/powerpoint/2010/main" val="208865776"/>
+      </p:ext>
+    </p:extLst>
+  </p:cSld>
+  <p:clrMapOvr>
+    <a:masterClrMapping/>
+  </p:clrMapOvr>
+</p:sld>
+</file>
+
+<file path=ppt/slides/slide5.xml><?xml version="1.0" encoding="utf-8"?>
+<p:sld xmlns:a="http://schemas.openxmlformats.org/drawingml/2006/main" xmlns:r="http://schemas.openxmlformats.org/officeDocument/2006/relationships" xmlns:p="http://schemas.openxmlformats.org/presentationml/2006/main">
+  <p:cSld>
+    <p:spTree>
+      <p:nvGrpSpPr>
+        <p:cNvPr id="1" name="">
+          <a:extLst>
+            <a:ext uri="{FF2B5EF4-FFF2-40B4-BE49-F238E27FC236}">
+              <a16:creationId xmlns:a16="http://schemas.microsoft.com/office/drawing/2014/main" id="{7612CF60-DD91-A360-57AC-88617B7E0B4F}"/>
+            </a:ext>
+          </a:extLst>
+        </p:cNvPr>
+        <p:cNvGrpSpPr/>
+        <p:nvPr/>
+      </p:nvGrpSpPr>
+      <p:grpSpPr>
+        <a:xfrm>
+          <a:off x="0" y="0"/>
+          <a:ext cx="0" cy="0"/>
+          <a:chOff x="0" y="0"/>
+          <a:chExt cx="0" cy="0"/>
+        </a:xfrm>
+      </p:grpSpPr>
+      <p:sp>
+        <p:nvSpPr>
+          <p:cNvPr id="2" name="Title 1">
+            <a:extLst>
+              <a:ext uri="{FF2B5EF4-FFF2-40B4-BE49-F238E27FC236}">
+                <a16:creationId xmlns:a16="http://schemas.microsoft.com/office/drawing/2014/main" id="{DA740A1C-11E4-10FB-94B6-EEDE05183512}"/>
+              </a:ext>
+            </a:extLst>
+          </p:cNvPr>
+          <p:cNvSpPr>
+            <a:spLocks noGrp="1"/>
+          </p:cNvSpPr>
+          <p:nvPr>
+            <p:ph type="title"/>
+          </p:nvPr>
+        </p:nvSpPr>
+        <p:spPr>
+          <a:xfrm>
+            <a:off x="594360" y="189572"/>
+            <a:ext cx="6787747" cy="1593507"/>
+          </a:xfrm>
+        </p:spPr>
+        <p:txBody>
+          <a:bodyPr/>
+          <a:lstStyle/>
+          <a:p>
+            <a:pPr fontAlgn="base"/>
+            <a:r>
+              <a:rPr lang="en-US" b="0" dirty="0"/>
+              <a:t>Grid Definition</a:t>
+            </a:r>
+          </a:p>
+        </p:txBody>
+      </p:sp>
+      <p:sp>
+        <p:nvSpPr>
+          <p:cNvPr id="3" name="Text Placeholder 2">
+            <a:extLst>
+              <a:ext uri="{FF2B5EF4-FFF2-40B4-BE49-F238E27FC236}">
+                <a16:creationId xmlns:a16="http://schemas.microsoft.com/office/drawing/2014/main" id="{0D71ABF7-0B3C-C8FD-7235-80CFC191CB11}"/>
+              </a:ext>
+            </a:extLst>
+          </p:cNvPr>
+          <p:cNvSpPr>
+            <a:spLocks noGrp="1"/>
+          </p:cNvSpPr>
+          <p:nvPr>
+            <p:ph sz="quarter" idx="13"/>
+          </p:nvPr>
+        </p:nvSpPr>
+        <p:spPr>
+          <a:xfrm>
+            <a:off x="593725" y="2281238"/>
+            <a:ext cx="6788150" cy="3709987"/>
+          </a:xfrm>
+        </p:spPr>
+        <p:txBody>
+          <a:bodyPr tIns="457200"/>
+          <a:lstStyle/>
+          <a:p>
+            <a:r>
+              <a:rPr lang="en-US" dirty="0">
+                <a:solidFill>
+                  <a:srgbClr val="0070C0"/>
+                </a:solidFill>
+              </a:rPr>
+              <a:t>display</a:t>
+            </a:r>
+            <a:r>
+              <a:rPr lang="en-US" dirty="0"/>
+              <a:t>: grid; → turns an element into a grid container.</a:t>
+            </a:r>
+          </a:p>
+          <a:p>
+            <a:endParaRPr lang="en-US" dirty="0"/>
+          </a:p>
+          <a:p>
+            <a:r>
+              <a:rPr lang="en-US" dirty="0">
+                <a:solidFill>
+                  <a:srgbClr val="0070C0"/>
+                </a:solidFill>
+              </a:rPr>
+              <a:t>grid-template-rows </a:t>
+            </a:r>
+            <a:r>
+              <a:rPr lang="en-US" dirty="0"/>
+              <a:t>/ </a:t>
+            </a:r>
+            <a:r>
+              <a:rPr lang="en-US" dirty="0">
+                <a:solidFill>
+                  <a:srgbClr val="0070C0"/>
+                </a:solidFill>
+              </a:rPr>
+              <a:t>grid-template-columns </a:t>
+            </a:r>
+            <a:r>
+              <a:rPr lang="en-US" dirty="0"/>
+              <a:t>→ define rows and columns.</a:t>
+            </a:r>
+          </a:p>
+        </p:txBody>
+      </p:sp>
+      <p:sp>
+        <p:nvSpPr>
+          <p:cNvPr id="4" name="Rectangle 1">
+            <a:extLst>
+              <a:ext uri="{FF2B5EF4-FFF2-40B4-BE49-F238E27FC236}">
+                <a16:creationId xmlns:a16="http://schemas.microsoft.com/office/drawing/2014/main" id="{D0CD4BC8-1B71-6272-4FAE-606D0F005625}"/>
+              </a:ext>
+            </a:extLst>
+          </p:cNvPr>
+          <p:cNvSpPr>
+            <a:spLocks noChangeArrowheads="1"/>
+          </p:cNvSpPr>
+          <p:nvPr/>
+        </p:nvSpPr>
+        <p:spPr bwMode="auto">
+          <a:xfrm>
+            <a:off x="0" y="0"/>
+            <a:ext cx="12192000" cy="0"/>
+          </a:xfrm>
+          <a:prstGeom prst="rect">
+            <a:avLst/>
+          </a:prstGeom>
+          <a:noFill/>
+          <a:ln>
+            <a:noFill/>
+          </a:ln>
+          <a:effectLst/>
+          <a:extLst>
+            <a:ext uri="{909E8E84-426E-40DD-AFC4-6F175D3DCCD1}">
+              <a14:hiddenFill xmlns:a14="http://schemas.microsoft.com/office/drawing/2010/main">
+                <a:solidFill>
+                  <a:schemeClr val="accent1"/>
+                </a:solidFill>
+              </a14:hiddenFill>
+            </a:ext>
+            <a:ext uri="{91240B29-F687-4F45-9708-019B960494DF}">
+              <a14:hiddenLine xmlns:a14="http://schemas.microsoft.com/office/drawing/2010/main" w="9525">
+                <a:solidFill>
+                  <a:schemeClr val="tx1"/>
+                </a:solidFill>
+                <a:miter lim="800000"/>
+                <a:headEnd/>
+                <a:tailEnd/>
+              </a14:hiddenLine>
+            </a:ext>
+            <a:ext uri="{AF507438-7753-43E0-B8FC-AC1667EBCBE1}">
+              <a14:hiddenEffects xmlns:a14="http://schemas.microsoft.com/office/drawing/2010/main">
+                <a:effectLst>
+                  <a:outerShdw dist="35921" dir="2700000" algn="ctr" rotWithShape="0">
+                    <a:schemeClr val="bg2"/>
+                  </a:outerShdw>
+                </a:effectLst>
+              </a14:hiddenEffects>
+            </a:ext>
+          </a:extLst>
+        </p:spPr>
+        <p:txBody>
+          <a:bodyPr vert="horz" wrap="none" lIns="91440" tIns="45720" rIns="91440" bIns="45720" numCol="1" anchor="ctr" anchorCtr="0" compatLnSpc="1">
+            <a:prstTxWarp prst="textNoShape">
+              <a:avLst/>
+            </a:prstTxWarp>
+            <a:spAutoFit/>
+          </a:bodyPr>
+          <a:lstStyle/>
+          <a:p>
+            <a:pPr marL="0" marR="0" lvl="0" indent="0" algn="l" defTabSz="914400" rtl="0" eaLnBrk="0" fontAlgn="base" latinLnBrk="0" hangingPunct="0">
+              <a:lnSpc>
+                <a:spcPct val="100000"/>
+              </a:lnSpc>
+              <a:spcBef>
+                <a:spcPct val="0"/>
+              </a:spcBef>
+              <a:spcAft>
+                <a:spcPct val="0"/>
+              </a:spcAft>
+              <a:buClrTx/>
+              <a:buSzTx/>
+              <a:buFontTx/>
+              <a:buChar char="•"/>
+              <a:tabLst/>
+            </a:pPr>
+            <a:r>
+              <a:rPr kumimoji="0" lang="en-US" altLang="en-US" sz="1800" b="1" i="0" u="none" strike="noStrike" cap="none" normalizeH="0" baseline="0" dirty="0">
+                <a:ln>
+                  <a:noFill/>
+                </a:ln>
+                <a:solidFill>
+                  <a:schemeClr val="tx1"/>
+                </a:solidFill>
+                <a:effectLst/>
+                <a:latin typeface="Arial" panose="020B0604020202020204" pitchFamily="34" charset="0"/>
+              </a:rPr>
+              <a:t>display: grid;</a:t>
+            </a:r>
+            <a:r>
+              <a:rPr kumimoji="0" lang="en-US" altLang="en-US" sz="1800" b="0" i="0" u="none" strike="noStrike" cap="none" normalizeH="0" baseline="0" dirty="0">
+                <a:ln>
+                  <a:noFill/>
+                </a:ln>
+                <a:solidFill>
+                  <a:schemeClr val="tx1"/>
+                </a:solidFill>
+                <a:effectLst/>
+                <a:latin typeface="Arial" panose="020B0604020202020204" pitchFamily="34" charset="0"/>
+              </a:rPr>
+              <a:t> → turns an element into a grid container.</a:t>
+            </a:r>
+          </a:p>
+          <a:p>
+            <a:pPr marL="0" marR="0" lvl="0" indent="0" algn="l" defTabSz="914400" rtl="0" eaLnBrk="0" fontAlgn="base" latinLnBrk="0" hangingPunct="0">
+              <a:lnSpc>
+                <a:spcPct val="100000"/>
+              </a:lnSpc>
+              <a:spcBef>
+                <a:spcPct val="0"/>
+              </a:spcBef>
+              <a:spcAft>
+                <a:spcPct val="0"/>
+              </a:spcAft>
+              <a:buClrTx/>
+              <a:buSzTx/>
+              <a:buFontTx/>
+              <a:buChar char="•"/>
+              <a:tabLst/>
+            </a:pPr>
+            <a:r>
+              <a:rPr kumimoji="0" lang="en-US" altLang="en-US" sz="1800" b="1" i="0" u="none" strike="noStrike" cap="none" normalizeH="0" baseline="0" dirty="0">
+                <a:ln>
+                  <a:noFill/>
+                </a:ln>
+                <a:solidFill>
+                  <a:schemeClr val="tx1"/>
+                </a:solidFill>
+                <a:effectLst/>
+                <a:latin typeface="Arial" panose="020B0604020202020204" pitchFamily="34" charset="0"/>
+              </a:rPr>
+              <a:t>grid-template-rows / grid-template-columns</a:t>
+            </a:r>
+            <a:r>
+              <a:rPr kumimoji="0" lang="en-US" altLang="en-US" sz="1800" b="0" i="0" u="none" strike="noStrike" cap="none" normalizeH="0" baseline="0" dirty="0">
+                <a:ln>
+                  <a:noFill/>
+                </a:ln>
+                <a:solidFill>
+                  <a:schemeClr val="tx1"/>
+                </a:solidFill>
+                <a:effectLst/>
+                <a:latin typeface="Arial" panose="020B0604020202020204" pitchFamily="34" charset="0"/>
+              </a:rPr>
+              <a:t> → define rows and columns.</a:t>
+            </a:r>
+          </a:p>
+        </p:txBody>
+      </p:sp>
+    </p:spTree>
+    <p:extLst>
+      <p:ext uri="{BB962C8B-B14F-4D97-AF65-F5344CB8AC3E}">
+        <p14:creationId xmlns:p14="http://schemas.microsoft.com/office/powerpoint/2010/main" val="2249473274"/>
+      </p:ext>
+    </p:extLst>
+  </p:cSld>
+  <p:clrMapOvr>
+    <a:masterClrMapping/>
+  </p:clrMapOvr>
+</p:sld>
+</file>
+
+<file path=ppt/slides/slide6.xml><?xml version="1.0" encoding="utf-8"?>
+<p:sld xmlns:a="http://schemas.openxmlformats.org/drawingml/2006/main" xmlns:r="http://schemas.openxmlformats.org/officeDocument/2006/relationships" xmlns:p="http://schemas.openxmlformats.org/presentationml/2006/main">
+  <p:cSld>
+    <p:spTree>
+      <p:nvGrpSpPr>
+        <p:cNvPr id="1" name="">
+          <a:extLst>
+            <a:ext uri="{FF2B5EF4-FFF2-40B4-BE49-F238E27FC236}">
               <a16:creationId xmlns:a16="http://schemas.microsoft.com/office/drawing/2014/main" id="{AEB86872-0B5B-924F-35CA-D03F06462937}"/>
             </a:ext>
           </a:extLst>
@@ -10120,12 +11281,18 @@
 </p:sld>
 </file>
 
-<file path=ppt/slides/slide5.xml><?xml version="1.0" encoding="utf-8"?>
+<file path=ppt/slides/slide7.xml><?xml version="1.0" encoding="utf-8"?>
 <p:sld xmlns:a="http://schemas.openxmlformats.org/drawingml/2006/main" xmlns:r="http://schemas.openxmlformats.org/officeDocument/2006/relationships" xmlns:p="http://schemas.openxmlformats.org/presentationml/2006/main">
   <p:cSld>
     <p:spTree>
       <p:nvGrpSpPr>
-        <p:cNvPr id="1" name=""/>
+        <p:cNvPr id="1" name="">
+          <a:extLst>
+            <a:ext uri="{FF2B5EF4-FFF2-40B4-BE49-F238E27FC236}">
+              <a16:creationId xmlns:a16="http://schemas.microsoft.com/office/drawing/2014/main" id="{C37F775C-8440-5B52-B52F-6622748A7C1F}"/>
+            </a:ext>
+          </a:extLst>
+        </p:cNvPr>
         <p:cNvGrpSpPr/>
         <p:nvPr/>
       </p:nvGrpSpPr>
@@ -10142,7 +11309,7 @@
           <p:cNvPr id="2" name="Title 1">
             <a:extLst>
               <a:ext uri="{FF2B5EF4-FFF2-40B4-BE49-F238E27FC236}">
-                <a16:creationId xmlns:a16="http://schemas.microsoft.com/office/drawing/2014/main" id="{F810C1B7-6E4E-3DEE-50C0-1CA3B14303EE}"/>
+                <a16:creationId xmlns:a16="http://schemas.microsoft.com/office/drawing/2014/main" id="{B33846B6-CE74-74BC-837C-3501ABDCEFAB}"/>
               </a:ext>
             </a:extLst>
           </p:cNvPr>
@@ -10150,22 +11317,82 @@
             <a:spLocks noGrp="1"/>
           </p:cNvSpPr>
           <p:nvPr>
-            <p:ph type="ctrTitle"/>
+            <p:ph type="title"/>
           </p:nvPr>
         </p:nvSpPr>
         <p:spPr>
           <a:xfrm>
-            <a:off x="594360" y="411479"/>
-            <a:ext cx="5486400" cy="3291840"/>
+            <a:off x="594360" y="189572"/>
+            <a:ext cx="6787747" cy="1593507"/>
           </a:xfrm>
         </p:spPr>
         <p:txBody>
           <a:bodyPr/>
           <a:lstStyle/>
           <a:p>
+            <a:pPr fontAlgn="base"/>
+            <a:r>
+              <a:rPr lang="en-US" b="0" dirty="0"/>
+              <a:t>Basic Concepts</a:t>
+            </a:r>
+          </a:p>
+        </p:txBody>
+      </p:sp>
+      <p:sp>
+        <p:nvSpPr>
+          <p:cNvPr id="3" name="Text Placeholder 2">
+            <a:extLst>
+              <a:ext uri="{FF2B5EF4-FFF2-40B4-BE49-F238E27FC236}">
+                <a16:creationId xmlns:a16="http://schemas.microsoft.com/office/drawing/2014/main" id="{D05A2C3A-7F9D-A18D-BE94-76E9CE3C4593}"/>
+              </a:ext>
+            </a:extLst>
+          </p:cNvPr>
+          <p:cNvSpPr>
+            <a:spLocks noGrp="1"/>
+          </p:cNvSpPr>
+          <p:nvPr>
+            <p:ph sz="quarter" idx="13"/>
+          </p:nvPr>
+        </p:nvSpPr>
+        <p:spPr>
+          <a:xfrm>
+            <a:off x="593725" y="2281238"/>
+            <a:ext cx="6788150" cy="3709987"/>
+          </a:xfrm>
+        </p:spPr>
+        <p:txBody>
+          <a:bodyPr tIns="457200"/>
+          <a:lstStyle/>
+          <a:p>
             <a:r>
               <a:rPr lang="en-US" dirty="0"/>
-              <a:t>Thank you</a:t>
+              <a:t>A two-dimensional system that arranges content into rows and columns for structured, flexible, and responsive design.</a:t>
+            </a:r>
+          </a:p>
+          <a:p>
+            <a:r>
+              <a:rPr lang="en-US" dirty="0">
+                <a:solidFill>
+                  <a:srgbClr val="00B0F0"/>
+                </a:solidFill>
+              </a:rPr>
+              <a:t>grid-column </a:t>
+            </a:r>
+            <a:r>
+              <a:rPr lang="en-US" dirty="0"/>
+              <a:t>/ </a:t>
+            </a:r>
+            <a:r>
+              <a:rPr lang="en-US" dirty="0">
+                <a:solidFill>
+                  <a:srgbClr val="00B0F0"/>
+                </a:solidFill>
+              </a:rPr>
+              <a:t>grid-row</a:t>
+            </a:r>
+            <a:r>
+              <a:rPr lang="en-US" dirty="0"/>
+              <a:t> → defines position across rows/columns.</a:t>
             </a:r>
           </a:p>
         </p:txBody>
@@ -10173,7 +11400,956 @@
     </p:spTree>
     <p:extLst>
       <p:ext uri="{BB962C8B-B14F-4D97-AF65-F5344CB8AC3E}">
-        <p14:creationId xmlns:p14="http://schemas.microsoft.com/office/powerpoint/2010/main" val="4261132419"/>
+        <p14:creationId xmlns:p14="http://schemas.microsoft.com/office/powerpoint/2010/main" val="170671240"/>
+      </p:ext>
+    </p:extLst>
+  </p:cSld>
+  <p:clrMapOvr>
+    <a:masterClrMapping/>
+  </p:clrMapOvr>
+</p:sld>
+</file>
+
+<file path=ppt/slides/slide8.xml><?xml version="1.0" encoding="utf-8"?>
+<p:sld xmlns:a="http://schemas.openxmlformats.org/drawingml/2006/main" xmlns:r="http://schemas.openxmlformats.org/officeDocument/2006/relationships" xmlns:p="http://schemas.openxmlformats.org/presentationml/2006/main">
+  <p:cSld>
+    <p:spTree>
+      <p:nvGrpSpPr>
+        <p:cNvPr id="1" name="">
+          <a:extLst>
+            <a:ext uri="{FF2B5EF4-FFF2-40B4-BE49-F238E27FC236}">
+              <a16:creationId xmlns:a16="http://schemas.microsoft.com/office/drawing/2014/main" id="{9C302EC2-5CDE-CB58-C6CF-39785851F134}"/>
+            </a:ext>
+          </a:extLst>
+        </p:cNvPr>
+        <p:cNvGrpSpPr/>
+        <p:nvPr/>
+      </p:nvGrpSpPr>
+      <p:grpSpPr>
+        <a:xfrm>
+          <a:off x="0" y="0"/>
+          <a:ext cx="0" cy="0"/>
+          <a:chOff x="0" y="0"/>
+          <a:chExt cx="0" cy="0"/>
+        </a:xfrm>
+      </p:grpSpPr>
+      <p:sp>
+        <p:nvSpPr>
+          <p:cNvPr id="2" name="Title 1">
+            <a:extLst>
+              <a:ext uri="{FF2B5EF4-FFF2-40B4-BE49-F238E27FC236}">
+                <a16:creationId xmlns:a16="http://schemas.microsoft.com/office/drawing/2014/main" id="{63025FEF-8833-49CC-2D2F-12EB18BE3A63}"/>
+              </a:ext>
+            </a:extLst>
+          </p:cNvPr>
+          <p:cNvSpPr>
+            <a:spLocks noGrp="1"/>
+          </p:cNvSpPr>
+          <p:nvPr>
+            <p:ph type="title"/>
+          </p:nvPr>
+        </p:nvSpPr>
+        <p:spPr>
+          <a:xfrm>
+            <a:off x="594360" y="189572"/>
+            <a:ext cx="6787747" cy="1593507"/>
+          </a:xfrm>
+        </p:spPr>
+        <p:txBody>
+          <a:bodyPr/>
+          <a:lstStyle/>
+          <a:p>
+            <a:r>
+              <a:rPr lang="en-US" dirty="0">
+                <a:solidFill>
+                  <a:schemeClr val="accent1"/>
+                </a:solidFill>
+              </a:rPr>
+              <a:t>Display code</a:t>
+            </a:r>
+          </a:p>
+        </p:txBody>
+      </p:sp>
+      <p:sp>
+        <p:nvSpPr>
+          <p:cNvPr id="3" name="Text Placeholder 2">
+            <a:extLst>
+              <a:ext uri="{FF2B5EF4-FFF2-40B4-BE49-F238E27FC236}">
+                <a16:creationId xmlns:a16="http://schemas.microsoft.com/office/drawing/2014/main" id="{C74B69F0-B337-E2EC-3154-2CE350361EC3}"/>
+              </a:ext>
+            </a:extLst>
+          </p:cNvPr>
+          <p:cNvSpPr>
+            <a:spLocks noGrp="1"/>
+          </p:cNvSpPr>
+          <p:nvPr>
+            <p:ph sz="quarter" idx="13"/>
+          </p:nvPr>
+        </p:nvSpPr>
+        <p:spPr>
+          <a:xfrm>
+            <a:off x="593725" y="2281238"/>
+            <a:ext cx="4283075" cy="3709987"/>
+          </a:xfrm>
+        </p:spPr>
+        <p:txBody>
+          <a:bodyPr tIns="457200">
+            <a:normAutofit fontScale="70000" lnSpcReduction="20000"/>
+          </a:bodyPr>
+          <a:lstStyle/>
+          <a:p>
+            <a:pPr marL="0" indent="0">
+              <a:buNone/>
+            </a:pPr>
+            <a:r>
+              <a:rPr lang="en-US" b="0" dirty="0"/>
+              <a:t> &lt;div class="</a:t>
+            </a:r>
+            <a:r>
+              <a:rPr lang="en-US" b="0" dirty="0">
+                <a:solidFill>
+                  <a:schemeClr val="accent3"/>
+                </a:solidFill>
+              </a:rPr>
+              <a:t>container</a:t>
+            </a:r>
+            <a:r>
+              <a:rPr lang="en-US" b="0" dirty="0"/>
+              <a:t>"&gt;</a:t>
+            </a:r>
+          </a:p>
+          <a:p>
+            <a:pPr marL="0" indent="0">
+              <a:buNone/>
+            </a:pPr>
+            <a:r>
+              <a:rPr lang="en-US" b="0" dirty="0"/>
+              <a:t>    &lt;div class="box1"&gt;Box 1&lt;/div&gt;</a:t>
+            </a:r>
+          </a:p>
+          <a:p>
+            <a:pPr marL="0" indent="0">
+              <a:buNone/>
+            </a:pPr>
+            <a:r>
+              <a:rPr lang="en-US" b="0" dirty="0"/>
+              <a:t>    &lt;div class="box2"&gt;Box 2&lt;/div&gt;</a:t>
+            </a:r>
+          </a:p>
+          <a:p>
+            <a:pPr marL="0" indent="0">
+              <a:buNone/>
+            </a:pPr>
+            <a:r>
+              <a:rPr lang="en-US" b="0" dirty="0"/>
+              <a:t>    &lt;div class="box3"&gt;Box 3&lt;/div&gt;</a:t>
+            </a:r>
+          </a:p>
+          <a:p>
+            <a:pPr marL="0" indent="0">
+              <a:buNone/>
+            </a:pPr>
+            <a:r>
+              <a:rPr lang="en-US" b="0" dirty="0"/>
+              <a:t>    &lt;div class="box4"&gt;Box 4&lt;/div&gt;</a:t>
+            </a:r>
+          </a:p>
+          <a:p>
+            <a:pPr marL="0" indent="0">
+              <a:buNone/>
+            </a:pPr>
+            <a:r>
+              <a:rPr lang="en-US" b="0" dirty="0"/>
+              <a:t>    &lt;div class="box5"&gt;Box 5&lt;/div&gt;</a:t>
+            </a:r>
+          </a:p>
+          <a:p>
+            <a:pPr marL="0" indent="0">
+              <a:buNone/>
+            </a:pPr>
+            <a:r>
+              <a:rPr lang="en-US" b="0" dirty="0"/>
+              <a:t>    &lt;div class="box6"&gt;Box 6&lt;/div&gt;</a:t>
+            </a:r>
+          </a:p>
+          <a:p>
+            <a:pPr marL="0" indent="0">
+              <a:buNone/>
+            </a:pPr>
+            <a:r>
+              <a:rPr lang="en-US" b="0" dirty="0"/>
+              <a:t>  &lt;/div&gt;</a:t>
+            </a:r>
+          </a:p>
+        </p:txBody>
+      </p:sp>
+      <p:sp>
+        <p:nvSpPr>
+          <p:cNvPr id="8" name="Text Placeholder 2">
+            <a:extLst>
+              <a:ext uri="{FF2B5EF4-FFF2-40B4-BE49-F238E27FC236}">
+                <a16:creationId xmlns:a16="http://schemas.microsoft.com/office/drawing/2014/main" id="{B516FB62-5C6F-B748-F310-3588137C6450}"/>
+              </a:ext>
+            </a:extLst>
+          </p:cNvPr>
+          <p:cNvSpPr txBox="1">
+            <a:spLocks/>
+          </p:cNvSpPr>
+          <p:nvPr/>
+        </p:nvSpPr>
+        <p:spPr>
+          <a:xfrm>
+            <a:off x="4074219" y="1921020"/>
+            <a:ext cx="5263746" cy="3709987"/>
+          </a:xfrm>
+          <a:prstGeom prst="rect">
+            <a:avLst/>
+          </a:prstGeom>
+        </p:spPr>
+        <p:txBody>
+          <a:bodyPr vert="horz" lIns="0" tIns="457200" rIns="0" bIns="0" rtlCol="0">
+            <a:noAutofit/>
+          </a:bodyPr>
+          <a:lstStyle>
+            <a:lvl1pPr marL="283464" indent="-283464" algn="l" defTabSz="914400" rtl="0" eaLnBrk="1" latinLnBrk="0" hangingPunct="1">
+              <a:lnSpc>
+                <a:spcPct val="80000"/>
+              </a:lnSpc>
+              <a:spcBef>
+                <a:spcPts val="2200"/>
+              </a:spcBef>
+              <a:buFont typeface="Arial" panose="020B0604020202020204" pitchFamily="34" charset="0"/>
+              <a:buChar char="•"/>
+              <a:defRPr lang="en-US" sz="2400" b="1" i="0" kern="1200" dirty="0">
+                <a:solidFill>
+                  <a:schemeClr val="tx2">
+                    <a:lumMod val="75000"/>
+                  </a:schemeClr>
+                </a:solidFill>
+                <a:latin typeface="+mn-lt"/>
+                <a:ea typeface="+mn-ea"/>
+                <a:cs typeface="+mn-cs"/>
+              </a:defRPr>
+            </a:lvl1pPr>
+            <a:lvl2pPr marL="685800" indent="-283464" algn="l" defTabSz="914400" rtl="0" eaLnBrk="1" latinLnBrk="0" hangingPunct="1">
+              <a:lnSpc>
+                <a:spcPct val="90000"/>
+              </a:lnSpc>
+              <a:spcBef>
+                <a:spcPts val="600"/>
+              </a:spcBef>
+              <a:buFont typeface="Arial" panose="020B0604020202020204" pitchFamily="34" charset="0"/>
+              <a:buChar char="•"/>
+              <a:defRPr sz="2000" b="0" i="0" kern="1200">
+                <a:solidFill>
+                  <a:schemeClr val="bg1"/>
+                </a:solidFill>
+                <a:latin typeface="+mn-lt"/>
+                <a:ea typeface="+mn-ea"/>
+                <a:cs typeface="+mn-cs"/>
+              </a:defRPr>
+            </a:lvl2pPr>
+            <a:lvl3pPr marL="1143000" indent="-283464" algn="l" defTabSz="914400" rtl="0" eaLnBrk="1" latinLnBrk="0" hangingPunct="1">
+              <a:lnSpc>
+                <a:spcPct val="90000"/>
+              </a:lnSpc>
+              <a:spcBef>
+                <a:spcPts val="1800"/>
+              </a:spcBef>
+              <a:buFont typeface="Arial" panose="020B0604020202020204" pitchFamily="34" charset="0"/>
+              <a:buChar char="•"/>
+              <a:defRPr sz="2000" b="0" i="0" kern="1200">
+                <a:solidFill>
+                  <a:schemeClr val="bg1"/>
+                </a:solidFill>
+                <a:latin typeface="+mn-lt"/>
+                <a:ea typeface="+mn-ea"/>
+                <a:cs typeface="+mn-cs"/>
+              </a:defRPr>
+            </a:lvl3pPr>
+            <a:lvl4pPr marL="1600200" indent="-283464" algn="l" defTabSz="914400" rtl="0" eaLnBrk="1" latinLnBrk="0" hangingPunct="1">
+              <a:lnSpc>
+                <a:spcPct val="90000"/>
+              </a:lnSpc>
+              <a:spcBef>
+                <a:spcPts val="1800"/>
+              </a:spcBef>
+              <a:buFont typeface="Arial" panose="020B0604020202020204" pitchFamily="34" charset="0"/>
+              <a:buChar char="•"/>
+              <a:defRPr sz="2000" b="0" i="0" kern="1200">
+                <a:solidFill>
+                  <a:schemeClr val="bg1"/>
+                </a:solidFill>
+                <a:latin typeface="+mn-lt"/>
+                <a:ea typeface="+mn-ea"/>
+                <a:cs typeface="+mn-cs"/>
+              </a:defRPr>
+            </a:lvl4pPr>
+            <a:lvl5pPr marL="2057400" indent="-283464" algn="l" defTabSz="914400" rtl="0" eaLnBrk="1" latinLnBrk="0" hangingPunct="1">
+              <a:lnSpc>
+                <a:spcPct val="90000"/>
+              </a:lnSpc>
+              <a:spcBef>
+                <a:spcPts val="1800"/>
+              </a:spcBef>
+              <a:buFont typeface="Arial" panose="020B0604020202020204" pitchFamily="34" charset="0"/>
+              <a:buChar char="•"/>
+              <a:defRPr sz="2000" b="0" i="0" kern="1200">
+                <a:solidFill>
+                  <a:schemeClr val="bg1"/>
+                </a:solidFill>
+                <a:latin typeface="+mn-lt"/>
+                <a:ea typeface="+mn-ea"/>
+                <a:cs typeface="+mn-cs"/>
+              </a:defRPr>
+            </a:lvl5pPr>
+            <a:lvl6pPr marL="2514600" indent="-228600" algn="l" defTabSz="914400" rtl="0" eaLnBrk="1" latinLnBrk="0" hangingPunct="1">
+              <a:lnSpc>
+                <a:spcPct val="90000"/>
+              </a:lnSpc>
+              <a:spcBef>
+                <a:spcPts val="500"/>
+              </a:spcBef>
+              <a:buFont typeface="Arial" panose="020B0604020202020204" pitchFamily="34" charset="0"/>
+              <a:buChar char="•"/>
+              <a:defRPr sz="1800" kern="1200">
+                <a:solidFill>
+                  <a:schemeClr val="tx1"/>
+                </a:solidFill>
+                <a:latin typeface="+mn-lt"/>
+                <a:ea typeface="+mn-ea"/>
+                <a:cs typeface="+mn-cs"/>
+              </a:defRPr>
+            </a:lvl6pPr>
+            <a:lvl7pPr marL="2971800" indent="-228600" algn="l" defTabSz="914400" rtl="0" eaLnBrk="1" latinLnBrk="0" hangingPunct="1">
+              <a:lnSpc>
+                <a:spcPct val="90000"/>
+              </a:lnSpc>
+              <a:spcBef>
+                <a:spcPts val="500"/>
+              </a:spcBef>
+              <a:buFont typeface="Arial" panose="020B0604020202020204" pitchFamily="34" charset="0"/>
+              <a:buChar char="•"/>
+              <a:defRPr sz="1800" kern="1200">
+                <a:solidFill>
+                  <a:schemeClr val="tx1"/>
+                </a:solidFill>
+                <a:latin typeface="+mn-lt"/>
+                <a:ea typeface="+mn-ea"/>
+                <a:cs typeface="+mn-cs"/>
+              </a:defRPr>
+            </a:lvl7pPr>
+            <a:lvl8pPr marL="3429000" indent="-228600" algn="l" defTabSz="914400" rtl="0" eaLnBrk="1" latinLnBrk="0" hangingPunct="1">
+              <a:lnSpc>
+                <a:spcPct val="90000"/>
+              </a:lnSpc>
+              <a:spcBef>
+                <a:spcPts val="500"/>
+              </a:spcBef>
+              <a:buFont typeface="Arial" panose="020B0604020202020204" pitchFamily="34" charset="0"/>
+              <a:buChar char="•"/>
+              <a:defRPr sz="1800" kern="1200">
+                <a:solidFill>
+                  <a:schemeClr val="tx1"/>
+                </a:solidFill>
+                <a:latin typeface="+mn-lt"/>
+                <a:ea typeface="+mn-ea"/>
+                <a:cs typeface="+mn-cs"/>
+              </a:defRPr>
+            </a:lvl8pPr>
+            <a:lvl9pPr marL="3886200" indent="-228600" algn="l" defTabSz="914400" rtl="0" eaLnBrk="1" latinLnBrk="0" hangingPunct="1">
+              <a:lnSpc>
+                <a:spcPct val="90000"/>
+              </a:lnSpc>
+              <a:spcBef>
+                <a:spcPts val="500"/>
+              </a:spcBef>
+              <a:buFont typeface="Arial" panose="020B0604020202020204" pitchFamily="34" charset="0"/>
+              <a:buChar char="•"/>
+              <a:defRPr sz="1800" kern="1200">
+                <a:solidFill>
+                  <a:schemeClr val="tx1"/>
+                </a:solidFill>
+                <a:latin typeface="+mn-lt"/>
+                <a:ea typeface="+mn-ea"/>
+                <a:cs typeface="+mn-cs"/>
+              </a:defRPr>
+            </a:lvl9pPr>
+          </a:lstStyle>
+          <a:p>
+            <a:pPr marL="0" indent="0">
+              <a:buNone/>
+            </a:pPr>
+            <a:r>
+              <a:rPr lang="en-US" sz="2000" b="0" dirty="0"/>
+              <a:t> .</a:t>
+            </a:r>
+            <a:r>
+              <a:rPr lang="en-US" sz="2000" b="0" dirty="0">
+                <a:solidFill>
+                  <a:schemeClr val="accent3"/>
+                </a:solidFill>
+              </a:rPr>
+              <a:t>container</a:t>
+            </a:r>
+            <a:r>
+              <a:rPr lang="en-US" sz="2000" b="0" dirty="0"/>
+              <a:t> {</a:t>
+            </a:r>
+          </a:p>
+          <a:p>
+            <a:pPr marL="0" indent="0">
+              <a:buNone/>
+            </a:pPr>
+            <a:r>
+              <a:rPr lang="en-US" sz="2000" b="0" dirty="0"/>
+              <a:t>      </a:t>
+            </a:r>
+            <a:r>
+              <a:rPr lang="en-US" sz="2000" b="0" dirty="0">
+                <a:solidFill>
+                  <a:schemeClr val="accent3"/>
+                </a:solidFill>
+              </a:rPr>
+              <a:t>display</a:t>
+            </a:r>
+            <a:r>
+              <a:rPr lang="en-US" sz="2000" b="0" dirty="0"/>
+              <a:t>: grid;</a:t>
+            </a:r>
+          </a:p>
+          <a:p>
+            <a:pPr marL="0" indent="0">
+              <a:buNone/>
+            </a:pPr>
+            <a:r>
+              <a:rPr lang="en-US" sz="2000" b="0" dirty="0"/>
+              <a:t>      </a:t>
+            </a:r>
+            <a:r>
+              <a:rPr lang="en-US" sz="2000" b="0" dirty="0">
+                <a:solidFill>
+                  <a:schemeClr val="accent3"/>
+                </a:solidFill>
+              </a:rPr>
+              <a:t>grid-template-columns</a:t>
+            </a:r>
+            <a:r>
+              <a:rPr lang="en-US" sz="2000" b="0" dirty="0"/>
+              <a:t>: 100px 100px 100px; </a:t>
+            </a:r>
+          </a:p>
+          <a:p>
+            <a:pPr marL="0" indent="0">
+              <a:buNone/>
+            </a:pPr>
+            <a:r>
+              <a:rPr lang="en-US" sz="2000" b="0" dirty="0"/>
+              <a:t>      </a:t>
+            </a:r>
+            <a:r>
+              <a:rPr lang="en-US" sz="2000" b="0" dirty="0">
+                <a:solidFill>
+                  <a:schemeClr val="accent3"/>
+                </a:solidFill>
+              </a:rPr>
+              <a:t>grid-template-rows</a:t>
+            </a:r>
+            <a:r>
+              <a:rPr lang="en-US" sz="2000" b="0" dirty="0"/>
+              <a:t>: 100px 100px 100px ; </a:t>
+            </a:r>
+          </a:p>
+          <a:p>
+            <a:pPr marL="0" indent="0">
+              <a:buNone/>
+            </a:pPr>
+            <a:r>
+              <a:rPr lang="en-US" sz="2000" b="0" dirty="0"/>
+              <a:t>     </a:t>
+            </a:r>
+            <a:r>
+              <a:rPr lang="en-US" sz="2000" b="0" dirty="0">
+                <a:solidFill>
+                  <a:schemeClr val="accent3"/>
+                </a:solidFill>
+              </a:rPr>
+              <a:t>gap</a:t>
+            </a:r>
+            <a:r>
+              <a:rPr lang="en-US" sz="2000" b="0" dirty="0"/>
+              <a:t>: 15px;</a:t>
+            </a:r>
+          </a:p>
+          <a:p>
+            <a:pPr marL="0" indent="0">
+              <a:buNone/>
+            </a:pPr>
+            <a:r>
+              <a:rPr lang="en-US" sz="2000" b="0" dirty="0"/>
+              <a:t>      </a:t>
+            </a:r>
+            <a:r>
+              <a:rPr lang="en-US" sz="2000" b="0" dirty="0">
+                <a:solidFill>
+                  <a:schemeClr val="accent3"/>
+                </a:solidFill>
+              </a:rPr>
+              <a:t>padding</a:t>
+            </a:r>
+            <a:r>
+              <a:rPr lang="en-US" sz="2000" b="0" dirty="0"/>
+              <a:t>: 20px;</a:t>
+            </a:r>
+          </a:p>
+          <a:p>
+            <a:pPr marL="0" indent="0">
+              <a:buNone/>
+            </a:pPr>
+            <a:r>
+              <a:rPr lang="en-US" sz="2000" b="0" dirty="0"/>
+              <a:t>    }</a:t>
+            </a:r>
+          </a:p>
+          <a:p>
+            <a:pPr marL="0" indent="0">
+              <a:buNone/>
+            </a:pPr>
+            <a:endParaRPr lang="en-US" sz="2000" b="0" dirty="0"/>
+          </a:p>
+        </p:txBody>
+      </p:sp>
+    </p:spTree>
+    <p:extLst>
+      <p:ext uri="{BB962C8B-B14F-4D97-AF65-F5344CB8AC3E}">
+        <p14:creationId xmlns:p14="http://schemas.microsoft.com/office/powerpoint/2010/main" val="1275835021"/>
+      </p:ext>
+    </p:extLst>
+  </p:cSld>
+  <p:clrMapOvr>
+    <a:masterClrMapping/>
+  </p:clrMapOvr>
+</p:sld>
+</file>
+
+<file path=ppt/slides/slide9.xml><?xml version="1.0" encoding="utf-8"?>
+<p:sld xmlns:a="http://schemas.openxmlformats.org/drawingml/2006/main" xmlns:r="http://schemas.openxmlformats.org/officeDocument/2006/relationships" xmlns:p="http://schemas.openxmlformats.org/presentationml/2006/main">
+  <p:cSld>
+    <p:spTree>
+      <p:nvGrpSpPr>
+        <p:cNvPr id="1" name="">
+          <a:extLst>
+            <a:ext uri="{FF2B5EF4-FFF2-40B4-BE49-F238E27FC236}">
+              <a16:creationId xmlns:a16="http://schemas.microsoft.com/office/drawing/2014/main" id="{B291ECC2-81DC-1874-DD58-3E685D6175A8}"/>
+            </a:ext>
+          </a:extLst>
+        </p:cNvPr>
+        <p:cNvGrpSpPr/>
+        <p:nvPr/>
+      </p:nvGrpSpPr>
+      <p:grpSpPr>
+        <a:xfrm>
+          <a:off x="0" y="0"/>
+          <a:ext cx="0" cy="0"/>
+          <a:chOff x="0" y="0"/>
+          <a:chExt cx="0" cy="0"/>
+        </a:xfrm>
+      </p:grpSpPr>
+      <p:sp>
+        <p:nvSpPr>
+          <p:cNvPr id="2" name="Title 1">
+            <a:extLst>
+              <a:ext uri="{FF2B5EF4-FFF2-40B4-BE49-F238E27FC236}">
+                <a16:creationId xmlns:a16="http://schemas.microsoft.com/office/drawing/2014/main" id="{99EA0068-B0B1-D219-850C-711B01B60AF7}"/>
+              </a:ext>
+            </a:extLst>
+          </p:cNvPr>
+          <p:cNvSpPr>
+            <a:spLocks noGrp="1"/>
+          </p:cNvSpPr>
+          <p:nvPr>
+            <p:ph type="title"/>
+          </p:nvPr>
+        </p:nvSpPr>
+        <p:spPr>
+          <a:xfrm>
+            <a:off x="594360" y="189572"/>
+            <a:ext cx="6787747" cy="1593507"/>
+          </a:xfrm>
+        </p:spPr>
+        <p:txBody>
+          <a:bodyPr/>
+          <a:lstStyle/>
+          <a:p>
+            <a:r>
+              <a:rPr lang="en-US" dirty="0">
+                <a:solidFill>
+                  <a:schemeClr val="accent1"/>
+                </a:solidFill>
+              </a:rPr>
+              <a:t>Display code 2</a:t>
+            </a:r>
+          </a:p>
+        </p:txBody>
+      </p:sp>
+      <p:sp>
+        <p:nvSpPr>
+          <p:cNvPr id="3" name="Text Placeholder 2">
+            <a:extLst>
+              <a:ext uri="{FF2B5EF4-FFF2-40B4-BE49-F238E27FC236}">
+                <a16:creationId xmlns:a16="http://schemas.microsoft.com/office/drawing/2014/main" id="{7A7EFEEA-EF49-A1F6-D2EE-9287342ECD72}"/>
+              </a:ext>
+            </a:extLst>
+          </p:cNvPr>
+          <p:cNvSpPr>
+            <a:spLocks noGrp="1"/>
+          </p:cNvSpPr>
+          <p:nvPr>
+            <p:ph sz="quarter" idx="13"/>
+          </p:nvPr>
+        </p:nvSpPr>
+        <p:spPr>
+          <a:xfrm>
+            <a:off x="594360" y="2344105"/>
+            <a:ext cx="8716530" cy="4513895"/>
+          </a:xfrm>
+        </p:spPr>
+        <p:txBody>
+          <a:bodyPr tIns="457200">
+            <a:noAutofit/>
+          </a:bodyPr>
+          <a:lstStyle/>
+          <a:p>
+            <a:pPr marL="0" indent="0">
+              <a:buNone/>
+            </a:pPr>
+            <a:r>
+              <a:rPr lang="en-US" sz="1800" b="0" dirty="0"/>
+              <a:t>box1 { </a:t>
+            </a:r>
+            <a:r>
+              <a:rPr lang="en-US" sz="1800" b="0" dirty="0">
+                <a:solidFill>
+                  <a:schemeClr val="accent3"/>
+                </a:solidFill>
+              </a:rPr>
+              <a:t>background-color</a:t>
+            </a:r>
+            <a:r>
+              <a:rPr lang="en-US" sz="1800" b="0" dirty="0"/>
+              <a:t>: lightcoral; </a:t>
+            </a:r>
+          </a:p>
+          <a:p>
+            <a:pPr marL="0" indent="0">
+              <a:buNone/>
+            </a:pPr>
+            <a:r>
+              <a:rPr lang="en-US" sz="1800" b="0" dirty="0"/>
+              <a:t>   /* </a:t>
+            </a:r>
+            <a:r>
+              <a:rPr lang="en-US" sz="1800" b="0" dirty="0">
+                <a:solidFill>
+                  <a:schemeClr val="accent3"/>
+                </a:solidFill>
+              </a:rPr>
+              <a:t>grid-row</a:t>
+            </a:r>
+            <a:r>
+              <a:rPr lang="en-US" sz="1800" b="0" dirty="0"/>
+              <a:t>: 1/3; */</a:t>
+            </a:r>
+          </a:p>
+          <a:p>
+            <a:pPr marL="0" indent="0">
+              <a:buNone/>
+            </a:pPr>
+            <a:r>
+              <a:rPr lang="en-US" sz="1800" b="0" dirty="0"/>
+              <a:t>}</a:t>
+            </a:r>
+          </a:p>
+          <a:p>
+            <a:pPr marL="0" indent="0">
+              <a:buNone/>
+            </a:pPr>
+            <a:r>
+              <a:rPr lang="en-US" sz="1800" b="0" dirty="0"/>
+              <a:t>.box2 { </a:t>
+            </a:r>
+            <a:r>
+              <a:rPr lang="en-US" sz="1800" b="0" dirty="0">
+                <a:solidFill>
+                  <a:schemeClr val="accent3"/>
+                </a:solidFill>
+              </a:rPr>
+              <a:t>background-color</a:t>
+            </a:r>
+            <a:r>
+              <a:rPr lang="en-US" sz="1800" b="0" dirty="0"/>
+              <a:t>: lightblue;</a:t>
+            </a:r>
+          </a:p>
+          <a:p>
+            <a:pPr marL="0" indent="0">
+              <a:buNone/>
+            </a:pPr>
+            <a:r>
+              <a:rPr lang="en-US" sz="1800" b="0" dirty="0"/>
+              <a:t>/* </a:t>
+            </a:r>
+            <a:r>
+              <a:rPr lang="en-US" sz="1800" b="0" dirty="0">
+                <a:solidFill>
+                  <a:schemeClr val="accent3"/>
+                </a:solidFill>
+              </a:rPr>
+              <a:t>grid-column</a:t>
+            </a:r>
+            <a:r>
+              <a:rPr lang="en-US" sz="1800" b="0" dirty="0"/>
+              <a:t>: 1/4; */</a:t>
+            </a:r>
+          </a:p>
+          <a:p>
+            <a:pPr marL="0" indent="0">
+              <a:buNone/>
+            </a:pPr>
+            <a:r>
+              <a:rPr lang="en-US" sz="1800" b="0" dirty="0"/>
+              <a:t> }</a:t>
+            </a:r>
+          </a:p>
+        </p:txBody>
+      </p:sp>
+      <p:sp>
+        <p:nvSpPr>
+          <p:cNvPr id="5" name="TextBox 4">
+            <a:extLst>
+              <a:ext uri="{FF2B5EF4-FFF2-40B4-BE49-F238E27FC236}">
+                <a16:creationId xmlns:a16="http://schemas.microsoft.com/office/drawing/2014/main" id="{FC861CA7-EE38-9B86-9265-100D9DAC6C76}"/>
+              </a:ext>
+            </a:extLst>
+          </p:cNvPr>
+          <p:cNvSpPr txBox="1"/>
+          <p:nvPr/>
+        </p:nvSpPr>
+        <p:spPr>
+          <a:xfrm>
+            <a:off x="443344" y="5191100"/>
+            <a:ext cx="6096000" cy="1477328"/>
+          </a:xfrm>
+          <a:prstGeom prst="rect">
+            <a:avLst/>
+          </a:prstGeom>
+          <a:noFill/>
+        </p:spPr>
+        <p:txBody>
+          <a:bodyPr wrap="square">
+            <a:spAutoFit/>
+          </a:bodyPr>
+          <a:lstStyle/>
+          <a:p>
+            <a:pPr marL="0" indent="0">
+              <a:buNone/>
+            </a:pPr>
+            <a:endParaRPr lang="en-US" sz="1800" b="0" dirty="0">
+              <a:solidFill>
+                <a:schemeClr val="bg1"/>
+              </a:solidFill>
+            </a:endParaRPr>
+          </a:p>
+          <a:p>
+            <a:pPr marL="0" indent="0">
+              <a:buNone/>
+            </a:pPr>
+            <a:r>
+              <a:rPr lang="en-US" sz="1800" b="0" dirty="0">
+                <a:solidFill>
+                  <a:schemeClr val="bg1"/>
+                </a:solidFill>
+              </a:rPr>
+              <a:t>.box3 { </a:t>
+            </a:r>
+            <a:r>
+              <a:rPr lang="en-US" sz="1800" b="0" dirty="0">
+                <a:solidFill>
+                  <a:schemeClr val="accent3"/>
+                </a:solidFill>
+              </a:rPr>
+              <a:t>background-color</a:t>
+            </a:r>
+            <a:r>
+              <a:rPr lang="en-US" sz="1800" b="0" dirty="0">
+                <a:solidFill>
+                  <a:schemeClr val="bg1"/>
+                </a:solidFill>
+              </a:rPr>
+              <a:t>: </a:t>
+            </a:r>
+            <a:r>
+              <a:rPr lang="en-US" sz="1800" b="0" dirty="0" err="1">
+                <a:solidFill>
+                  <a:schemeClr val="bg1"/>
+                </a:solidFill>
+              </a:rPr>
+              <a:t>lightgreen</a:t>
+            </a:r>
+            <a:r>
+              <a:rPr lang="en-US" sz="1800" b="0" dirty="0">
+                <a:solidFill>
+                  <a:schemeClr val="bg1"/>
+                </a:solidFill>
+              </a:rPr>
+              <a:t>; }</a:t>
+            </a:r>
+          </a:p>
+          <a:p>
+            <a:pPr marL="0" indent="0">
+              <a:buNone/>
+            </a:pPr>
+            <a:r>
+              <a:rPr lang="en-US" sz="1800" b="0" dirty="0">
+                <a:solidFill>
+                  <a:schemeClr val="bg1"/>
+                </a:solidFill>
+              </a:rPr>
+              <a:t>.box4 { </a:t>
+            </a:r>
+            <a:r>
+              <a:rPr lang="en-US" sz="1800" b="0" dirty="0">
+                <a:solidFill>
+                  <a:schemeClr val="accent3"/>
+                </a:solidFill>
+              </a:rPr>
+              <a:t>background-color</a:t>
+            </a:r>
+            <a:r>
+              <a:rPr lang="en-US" sz="1800" b="0" dirty="0">
+                <a:solidFill>
+                  <a:schemeClr val="bg1"/>
+                </a:solidFill>
+              </a:rPr>
+              <a:t>: </a:t>
+            </a:r>
+            <a:r>
+              <a:rPr lang="en-US" sz="1800" b="0" dirty="0" err="1">
+                <a:solidFill>
+                  <a:schemeClr val="bg1"/>
+                </a:solidFill>
+              </a:rPr>
+              <a:t>lightgoldenrodyellow</a:t>
+            </a:r>
+            <a:r>
+              <a:rPr lang="en-US" sz="1800" b="0" dirty="0">
+                <a:solidFill>
+                  <a:schemeClr val="bg1"/>
+                </a:solidFill>
+              </a:rPr>
+              <a:t>; }</a:t>
+            </a:r>
+          </a:p>
+          <a:p>
+            <a:pPr marL="0" indent="0">
+              <a:buNone/>
+            </a:pPr>
+            <a:r>
+              <a:rPr lang="en-US" sz="1800" b="0" dirty="0">
+                <a:solidFill>
+                  <a:schemeClr val="bg1"/>
+                </a:solidFill>
+              </a:rPr>
+              <a:t>.box5 { </a:t>
+            </a:r>
+            <a:r>
+              <a:rPr lang="en-US" sz="1800" b="0" dirty="0">
+                <a:solidFill>
+                  <a:schemeClr val="accent3"/>
+                </a:solidFill>
+              </a:rPr>
+              <a:t>background-color</a:t>
+            </a:r>
+            <a:r>
+              <a:rPr lang="en-US" sz="1800" b="0" dirty="0">
+                <a:solidFill>
+                  <a:schemeClr val="bg1"/>
+                </a:solidFill>
+              </a:rPr>
+              <a:t>: </a:t>
+            </a:r>
+            <a:r>
+              <a:rPr lang="en-US" sz="1800" b="0" dirty="0" err="1">
+                <a:solidFill>
+                  <a:schemeClr val="bg1"/>
+                </a:solidFill>
+              </a:rPr>
+              <a:t>lightpink</a:t>
+            </a:r>
+            <a:r>
+              <a:rPr lang="en-US" sz="1800" b="0" dirty="0">
+                <a:solidFill>
+                  <a:schemeClr val="bg1"/>
+                </a:solidFill>
+              </a:rPr>
+              <a:t>; }</a:t>
+            </a:r>
+          </a:p>
+          <a:p>
+            <a:pPr marL="0" indent="0">
+              <a:buNone/>
+            </a:pPr>
+            <a:r>
+              <a:rPr lang="en-US" sz="1800" b="0" dirty="0">
+                <a:solidFill>
+                  <a:schemeClr val="bg1"/>
+                </a:solidFill>
+              </a:rPr>
+              <a:t>.box6 { </a:t>
+            </a:r>
+            <a:r>
+              <a:rPr lang="en-US" sz="1800" b="0" dirty="0">
+                <a:solidFill>
+                  <a:schemeClr val="accent3"/>
+                </a:solidFill>
+              </a:rPr>
+              <a:t>background-color</a:t>
+            </a:r>
+            <a:r>
+              <a:rPr lang="en-US" sz="1800" b="0" dirty="0">
+                <a:solidFill>
+                  <a:schemeClr val="bg1"/>
+                </a:solidFill>
+              </a:rPr>
+              <a:t>: </a:t>
+            </a:r>
+            <a:r>
+              <a:rPr lang="en-US" sz="1800" b="0" dirty="0" err="1">
+                <a:solidFill>
+                  <a:schemeClr val="bg1"/>
+                </a:solidFill>
+              </a:rPr>
+              <a:t>lightseagreen</a:t>
+            </a:r>
+            <a:r>
+              <a:rPr lang="en-US" sz="1800" b="0" dirty="0">
+                <a:solidFill>
+                  <a:schemeClr val="bg1"/>
+                </a:solidFill>
+              </a:rPr>
+              <a:t>; </a:t>
+            </a:r>
+            <a:r>
+              <a:rPr lang="en-US" sz="1800" b="0" dirty="0"/>
+              <a:t>}</a:t>
+            </a:r>
+          </a:p>
+        </p:txBody>
+      </p:sp>
+    </p:spTree>
+    <p:extLst>
+      <p:ext uri="{BB962C8B-B14F-4D97-AF65-F5344CB8AC3E}">
+        <p14:creationId xmlns:p14="http://schemas.microsoft.com/office/powerpoint/2010/main" val="459580142"/>
       </p:ext>
     </p:extLst>
   </p:cSld>
@@ -10975,15 +13151,6 @@
 </file>
 
 <file path=customXml/item1.xml><?xml version="1.0" encoding="utf-8"?>
-<?mso-contentType ?>
-<FormTemplates xmlns="http://schemas.microsoft.com/sharepoint/v3/contenttype/forms">
-  <Display>DocumentLibraryForm</Display>
-  <Edit>DocumentLibraryForm</Edit>
-  <New>DocumentLibraryForm</New>
-</FormTemplates>
-</file>
-
-<file path=customXml/item2.xml><?xml version="1.0" encoding="utf-8"?>
 <ct:contentTypeSchema xmlns:ct="http://schemas.microsoft.com/office/2006/metadata/contentType" xmlns:ma="http://schemas.microsoft.com/office/2006/metadata/properties/metaAttributes" ct:_="" ma:_="" ma:contentTypeName="Document" ma:contentTypeID="0x01010079F111ED35F8CC479449609E8A0923A6" ma:contentTypeVersion="28" ma:contentTypeDescription="Create a new document." ma:contentTypeScope="" ma:versionID="60f5a4f2d2b0abadcf532d48ebf9cb71">
   <xsd:schema xmlns:xsd="http://www.w3.org/2001/XMLSchema" xmlns:xs="http://www.w3.org/2001/XMLSchema" xmlns:p="http://schemas.microsoft.com/office/2006/metadata/properties" xmlns:ns1="http://schemas.microsoft.com/sharepoint/v3" xmlns:ns2="71af3243-3dd4-4a8d-8c0d-dd76da1f02a5" xmlns:ns3="16c05727-aa75-4e4a-9b5f-8a80a1165891" xmlns:ns4="230e9df3-be65-4c73-a93b-d1236ebd677e" targetNamespace="http://schemas.microsoft.com/office/2006/metadata/properties" ma:root="true" ma:fieldsID="7dd78129e6a1811f84807ad11c651531" ns1:_="" ns2:_="" ns3:_="" ns4:_="">
     <xsd:import namespace="http://schemas.microsoft.com/sharepoint/v3"/>
@@ -11295,6 +13462,15 @@
 </ct:contentTypeSchema>
 </file>
 
+<file path=customXml/item2.xml><?xml version="1.0" encoding="utf-8"?>
+<?mso-contentType ?>
+<FormTemplates xmlns="http://schemas.microsoft.com/sharepoint/v3/contenttype/forms">
+  <Display>DocumentLibraryForm</Display>
+  <Edit>DocumentLibraryForm</Edit>
+  <New>DocumentLibraryForm</New>
+</FormTemplates>
+</file>
+
 <file path=customXml/item3.xml><?xml version="1.0" encoding="utf-8"?>
 <p:properties xmlns:p="http://schemas.microsoft.com/office/2006/metadata/properties" xmlns:xsi="http://www.w3.org/2001/XMLSchema-instance" xmlns:pc="http://schemas.microsoft.com/office/infopath/2007/PartnerControls">
   <documentManagement>
@@ -11316,14 +13492,6 @@
 </file>
 
 <file path=customXml/itemProps1.xml><?xml version="1.0" encoding="utf-8"?>
-<ds:datastoreItem xmlns:ds="http://schemas.openxmlformats.org/officeDocument/2006/customXml" ds:itemID="{C21FFAC0-05A2-416A-B06C-C248395482CF}">
-  <ds:schemaRefs>
-    <ds:schemaRef ds:uri="http://schemas.microsoft.com/sharepoint/v3/contenttype/forms"/>
-  </ds:schemaRefs>
-</ds:datastoreItem>
-</file>
-
-<file path=customXml/itemProps2.xml><?xml version="1.0" encoding="utf-8"?>
 <ds:datastoreItem xmlns:ds="http://schemas.openxmlformats.org/officeDocument/2006/customXml" ds:itemID="{92DB9E12-8AC3-4138-BF4D-720A5525AB10}">
   <ds:schemaRefs>
     <ds:schemaRef ds:uri="http://schemas.microsoft.com/office/2006/metadata/contentType"/>
@@ -11344,6 +13512,14 @@
 </ds:datastoreItem>
 </file>
 
+<file path=customXml/itemProps2.xml><?xml version="1.0" encoding="utf-8"?>
+<ds:datastoreItem xmlns:ds="http://schemas.openxmlformats.org/officeDocument/2006/customXml" ds:itemID="{C21FFAC0-05A2-416A-B06C-C248395482CF}">
+  <ds:schemaRefs>
+    <ds:schemaRef ds:uri="http://schemas.microsoft.com/sharepoint/v3/contenttype/forms"/>
+  </ds:schemaRefs>
+</ds:datastoreItem>
+</file>
+
 <file path=customXml/itemProps3.xml><?xml version="1.0" encoding="utf-8"?>
 <ds:datastoreItem xmlns:ds="http://schemas.openxmlformats.org/officeDocument/2006/customXml" ds:itemID="{4F4B194E-8B30-4377-8C59-ECFB902D2A26}">
   <ds:schemaRefs>
